--- a/Viva_Project_Presentation_Shrivathsa.pptx
+++ b/Viva_Project_Presentation_Shrivathsa.pptx
@@ -5,17 +5,18 @@
     <p:sldMasterId id="2147483648" r:id="rId1"/>
   </p:sldMasterIdLst>
   <p:sldIdLst>
-    <p:sldId id="256" r:id="rId7"/>
-    <p:sldId id="257" r:id="rId8"/>
-    <p:sldId id="258" r:id="rId9"/>
-    <p:sldId id="259" r:id="rId10"/>
-    <p:sldId id="260" r:id="rId11"/>
-    <p:sldId id="261" r:id="rId12"/>
-    <p:sldId id="262" r:id="rId13"/>
-    <p:sldId id="263" r:id="rId14"/>
-    <p:sldId id="264" r:id="rId15"/>
-    <p:sldId id="265" r:id="rId16"/>
-    <p:sldId id="266" r:id="rId17"/>
+    <p:sldId id="256" r:id="rId2"/>
+    <p:sldId id="257" r:id="rId3"/>
+    <p:sldId id="258" r:id="rId4"/>
+    <p:sldId id="259" r:id="rId5"/>
+    <p:sldId id="260" r:id="rId6"/>
+    <p:sldId id="261" r:id="rId7"/>
+    <p:sldId id="262" r:id="rId8"/>
+    <p:sldId id="263" r:id="rId9"/>
+    <p:sldId id="267" r:id="rId10"/>
+    <p:sldId id="268" r:id="rId11"/>
+    <p:sldId id="264" r:id="rId12"/>
+    <p:sldId id="266" r:id="rId13"/>
   </p:sldIdLst>
   <p:sldSz cx="9144000" cy="6858000" type="screen4x3"/>
   <p:notesSz cx="6858000" cy="9144000"/>
@@ -114,6 +115,22 @@
       </a:defRPr>
     </a:lvl9pPr>
   </p:defaultTextStyle>
+  <p:extLst>
+    <p:ext uri="{EFAFB233-063F-42B5-8137-9DF3F51BA10A}">
+      <p15:sldGuideLst xmlns:p15="http://schemas.microsoft.com/office/powerpoint/2012/main">
+        <p15:guide id="1" orient="horz" pos="2160">
+          <p15:clr>
+            <a:srgbClr val="A4A3A4"/>
+          </p15:clr>
+        </p15:guide>
+        <p15:guide id="2" pos="2880">
+          <p15:clr>
+            <a:srgbClr val="A4A3A4"/>
+          </p15:clr>
+        </p15:guide>
+      </p15:sldGuideLst>
+    </p:ext>
+  </p:extLst>
 </p:presentation>
 </file>
 
@@ -155,10 +172,9 @@
           <a:lstStyle/>
           <a:p>
             <a:r>
-              <a:rPr lang="en-US" smtClean="0"/>
+              <a:rPr lang="en-US"/>
               <a:t>Click to edit Master title style</a:t>
             </a:r>
-            <a:endParaRPr lang="en-US"/>
           </a:p>
         </p:txBody>
       </p:sp>
@@ -274,10 +290,9 @@
           </a:lstStyle>
           <a:p>
             <a:r>
-              <a:rPr lang="en-US" smtClean="0"/>
+              <a:rPr lang="en-US"/>
               <a:t>Click to edit Master subtitle style</a:t>
             </a:r>
-            <a:endParaRPr lang="en-US"/>
           </a:p>
         </p:txBody>
       </p:sp>
@@ -298,7 +313,7 @@
           <a:p>
             <a:fld id="{5BCAD085-E8A6-8845-BD4E-CB4CCA059FC4}" type="datetimeFigureOut">
               <a:rPr lang="en-US" smtClean="0"/>
-              <a:t>1/27/13</a:t>
+              <a:t>12/9/2025</a:t>
             </a:fld>
             <a:endParaRPr lang="en-US"/>
           </a:p>
@@ -392,10 +407,9 @@
           <a:lstStyle/>
           <a:p>
             <a:r>
-              <a:rPr lang="en-US" smtClean="0"/>
+              <a:rPr lang="en-US"/>
               <a:t>Click to edit Master title style</a:t>
             </a:r>
-            <a:endParaRPr lang="en-US"/>
           </a:p>
         </p:txBody>
       </p:sp>
@@ -416,38 +430,37 @@
           <a:p>
             <a:pPr lvl="0"/>
             <a:r>
-              <a:rPr lang="en-US" smtClean="0"/>
+              <a:rPr lang="en-US"/>
               <a:t>Click to edit Master text styles</a:t>
             </a:r>
           </a:p>
           <a:p>
             <a:pPr lvl="1"/>
             <a:r>
-              <a:rPr lang="en-US" smtClean="0"/>
+              <a:rPr lang="en-US"/>
               <a:t>Second level</a:t>
             </a:r>
           </a:p>
           <a:p>
             <a:pPr lvl="2"/>
             <a:r>
-              <a:rPr lang="en-US" smtClean="0"/>
+              <a:rPr lang="en-US"/>
               <a:t>Third level</a:t>
             </a:r>
           </a:p>
           <a:p>
             <a:pPr lvl="3"/>
             <a:r>
-              <a:rPr lang="en-US" smtClean="0"/>
+              <a:rPr lang="en-US"/>
               <a:t>Fourth level</a:t>
             </a:r>
           </a:p>
           <a:p>
             <a:pPr lvl="4"/>
             <a:r>
-              <a:rPr lang="en-US" smtClean="0"/>
+              <a:rPr lang="en-US"/>
               <a:t>Fifth level</a:t>
             </a:r>
-            <a:endParaRPr lang="en-US"/>
           </a:p>
         </p:txBody>
       </p:sp>
@@ -468,7 +481,7 @@
           <a:p>
             <a:fld id="{5BCAD085-E8A6-8845-BD4E-CB4CCA059FC4}" type="datetimeFigureOut">
               <a:rPr lang="en-US" smtClean="0"/>
-              <a:t>1/27/13</a:t>
+              <a:t>12/9/2025</a:t>
             </a:fld>
             <a:endParaRPr lang="en-US"/>
           </a:p>
@@ -567,10 +580,9 @@
           <a:lstStyle/>
           <a:p>
             <a:r>
-              <a:rPr lang="en-US" smtClean="0"/>
+              <a:rPr lang="en-US"/>
               <a:t>Click to edit Master title style</a:t>
             </a:r>
-            <a:endParaRPr lang="en-US"/>
           </a:p>
         </p:txBody>
       </p:sp>
@@ -596,38 +608,37 @@
           <a:p>
             <a:pPr lvl="0"/>
             <a:r>
-              <a:rPr lang="en-US" smtClean="0"/>
+              <a:rPr lang="en-US"/>
               <a:t>Click to edit Master text styles</a:t>
             </a:r>
           </a:p>
           <a:p>
             <a:pPr lvl="1"/>
             <a:r>
-              <a:rPr lang="en-US" smtClean="0"/>
+              <a:rPr lang="en-US"/>
               <a:t>Second level</a:t>
             </a:r>
           </a:p>
           <a:p>
             <a:pPr lvl="2"/>
             <a:r>
-              <a:rPr lang="en-US" smtClean="0"/>
+              <a:rPr lang="en-US"/>
               <a:t>Third level</a:t>
             </a:r>
           </a:p>
           <a:p>
             <a:pPr lvl="3"/>
             <a:r>
-              <a:rPr lang="en-US" smtClean="0"/>
+              <a:rPr lang="en-US"/>
               <a:t>Fourth level</a:t>
             </a:r>
           </a:p>
           <a:p>
             <a:pPr lvl="4"/>
             <a:r>
-              <a:rPr lang="en-US" smtClean="0"/>
+              <a:rPr lang="en-US"/>
               <a:t>Fifth level</a:t>
             </a:r>
-            <a:endParaRPr lang="en-US"/>
           </a:p>
         </p:txBody>
       </p:sp>
@@ -648,7 +659,7 @@
           <a:p>
             <a:fld id="{5BCAD085-E8A6-8845-BD4E-CB4CCA059FC4}" type="datetimeFigureOut">
               <a:rPr lang="en-US" smtClean="0"/>
-              <a:t>1/27/13</a:t>
+              <a:t>12/9/2025</a:t>
             </a:fld>
             <a:endParaRPr lang="en-US"/>
           </a:p>
@@ -742,10 +753,9 @@
           <a:lstStyle/>
           <a:p>
             <a:r>
-              <a:rPr lang="en-US" smtClean="0"/>
+              <a:rPr lang="en-US"/>
               <a:t>Click to edit Master title style</a:t>
             </a:r>
-            <a:endParaRPr lang="en-US"/>
           </a:p>
         </p:txBody>
       </p:sp>
@@ -766,38 +776,37 @@
           <a:p>
             <a:pPr lvl="0"/>
             <a:r>
-              <a:rPr lang="en-US" smtClean="0"/>
+              <a:rPr lang="en-US"/>
               <a:t>Click to edit Master text styles</a:t>
             </a:r>
           </a:p>
           <a:p>
             <a:pPr lvl="1"/>
             <a:r>
-              <a:rPr lang="en-US" smtClean="0"/>
+              <a:rPr lang="en-US"/>
               <a:t>Second level</a:t>
             </a:r>
           </a:p>
           <a:p>
             <a:pPr lvl="2"/>
             <a:r>
-              <a:rPr lang="en-US" smtClean="0"/>
+              <a:rPr lang="en-US"/>
               <a:t>Third level</a:t>
             </a:r>
           </a:p>
           <a:p>
             <a:pPr lvl="3"/>
             <a:r>
-              <a:rPr lang="en-US" smtClean="0"/>
+              <a:rPr lang="en-US"/>
               <a:t>Fourth level</a:t>
             </a:r>
           </a:p>
           <a:p>
             <a:pPr lvl="4"/>
             <a:r>
-              <a:rPr lang="en-US" smtClean="0"/>
+              <a:rPr lang="en-US"/>
               <a:t>Fifth level</a:t>
             </a:r>
-            <a:endParaRPr lang="en-US"/>
           </a:p>
         </p:txBody>
       </p:sp>
@@ -818,7 +827,7 @@
           <a:p>
             <a:fld id="{5BCAD085-E8A6-8845-BD4E-CB4CCA059FC4}" type="datetimeFigureOut">
               <a:rPr lang="en-US" smtClean="0"/>
-              <a:t>1/27/13</a:t>
+              <a:t>12/9/2025</a:t>
             </a:fld>
             <a:endParaRPr lang="en-US"/>
           </a:p>
@@ -921,10 +930,9 @@
           </a:lstStyle>
           <a:p>
             <a:r>
-              <a:rPr lang="en-US" smtClean="0"/>
+              <a:rPr lang="en-US"/>
               <a:t>Click to edit Master title style</a:t>
             </a:r>
-            <a:endParaRPr lang="en-US"/>
           </a:p>
         </p:txBody>
       </p:sp>
@@ -1041,7 +1049,7 @@
           <a:p>
             <a:pPr lvl="0"/>
             <a:r>
-              <a:rPr lang="en-US" smtClean="0"/>
+              <a:rPr lang="en-US"/>
               <a:t>Click to edit Master text styles</a:t>
             </a:r>
           </a:p>
@@ -1064,7 +1072,7 @@
           <a:p>
             <a:fld id="{5BCAD085-E8A6-8845-BD4E-CB4CCA059FC4}" type="datetimeFigureOut">
               <a:rPr lang="en-US" smtClean="0"/>
-              <a:t>1/27/13</a:t>
+              <a:t>12/9/2025</a:t>
             </a:fld>
             <a:endParaRPr lang="en-US"/>
           </a:p>
@@ -1158,10 +1166,9 @@
           <a:lstStyle/>
           <a:p>
             <a:r>
-              <a:rPr lang="en-US" smtClean="0"/>
+              <a:rPr lang="en-US"/>
               <a:t>Click to edit Master title style</a:t>
             </a:r>
-            <a:endParaRPr lang="en-US"/>
           </a:p>
         </p:txBody>
       </p:sp>
@@ -1215,38 +1222,37 @@
           <a:p>
             <a:pPr lvl="0"/>
             <a:r>
-              <a:rPr lang="en-US" smtClean="0"/>
+              <a:rPr lang="en-US"/>
               <a:t>Click to edit Master text styles</a:t>
             </a:r>
           </a:p>
           <a:p>
             <a:pPr lvl="1"/>
             <a:r>
-              <a:rPr lang="en-US" smtClean="0"/>
+              <a:rPr lang="en-US"/>
               <a:t>Second level</a:t>
             </a:r>
           </a:p>
           <a:p>
             <a:pPr lvl="2"/>
             <a:r>
-              <a:rPr lang="en-US" smtClean="0"/>
+              <a:rPr lang="en-US"/>
               <a:t>Third level</a:t>
             </a:r>
           </a:p>
           <a:p>
             <a:pPr lvl="3"/>
             <a:r>
-              <a:rPr lang="en-US" smtClean="0"/>
+              <a:rPr lang="en-US"/>
               <a:t>Fourth level</a:t>
             </a:r>
           </a:p>
           <a:p>
             <a:pPr lvl="4"/>
             <a:r>
-              <a:rPr lang="en-US" smtClean="0"/>
+              <a:rPr lang="en-US"/>
               <a:t>Fifth level</a:t>
             </a:r>
-            <a:endParaRPr lang="en-US"/>
           </a:p>
         </p:txBody>
       </p:sp>
@@ -1300,38 +1306,37 @@
           <a:p>
             <a:pPr lvl="0"/>
             <a:r>
-              <a:rPr lang="en-US" smtClean="0"/>
+              <a:rPr lang="en-US"/>
               <a:t>Click to edit Master text styles</a:t>
             </a:r>
           </a:p>
           <a:p>
             <a:pPr lvl="1"/>
             <a:r>
-              <a:rPr lang="en-US" smtClean="0"/>
+              <a:rPr lang="en-US"/>
               <a:t>Second level</a:t>
             </a:r>
           </a:p>
           <a:p>
             <a:pPr lvl="2"/>
             <a:r>
-              <a:rPr lang="en-US" smtClean="0"/>
+              <a:rPr lang="en-US"/>
               <a:t>Third level</a:t>
             </a:r>
           </a:p>
           <a:p>
             <a:pPr lvl="3"/>
             <a:r>
-              <a:rPr lang="en-US" smtClean="0"/>
+              <a:rPr lang="en-US"/>
               <a:t>Fourth level</a:t>
             </a:r>
           </a:p>
           <a:p>
             <a:pPr lvl="4"/>
             <a:r>
-              <a:rPr lang="en-US" smtClean="0"/>
+              <a:rPr lang="en-US"/>
               <a:t>Fifth level</a:t>
             </a:r>
-            <a:endParaRPr lang="en-US"/>
           </a:p>
         </p:txBody>
       </p:sp>
@@ -1352,7 +1357,7 @@
           <a:p>
             <a:fld id="{5BCAD085-E8A6-8845-BD4E-CB4CCA059FC4}" type="datetimeFigureOut">
               <a:rPr lang="en-US" smtClean="0"/>
-              <a:t>1/27/13</a:t>
+              <a:t>12/9/2025</a:t>
             </a:fld>
             <a:endParaRPr lang="en-US"/>
           </a:p>
@@ -1450,10 +1455,9 @@
           </a:lstStyle>
           <a:p>
             <a:r>
-              <a:rPr lang="en-US" smtClean="0"/>
+              <a:rPr lang="en-US"/>
               <a:t>Click to edit Master title style</a:t>
             </a:r>
-            <a:endParaRPr lang="en-US"/>
           </a:p>
         </p:txBody>
       </p:sp>
@@ -1516,7 +1520,7 @@
           <a:p>
             <a:pPr lvl="0"/>
             <a:r>
-              <a:rPr lang="en-US" smtClean="0"/>
+              <a:rPr lang="en-US"/>
               <a:t>Click to edit Master text styles</a:t>
             </a:r>
           </a:p>
@@ -1572,38 +1576,37 @@
           <a:p>
             <a:pPr lvl="0"/>
             <a:r>
-              <a:rPr lang="en-US" smtClean="0"/>
+              <a:rPr lang="en-US"/>
               <a:t>Click to edit Master text styles</a:t>
             </a:r>
           </a:p>
           <a:p>
             <a:pPr lvl="1"/>
             <a:r>
-              <a:rPr lang="en-US" smtClean="0"/>
+              <a:rPr lang="en-US"/>
               <a:t>Second level</a:t>
             </a:r>
           </a:p>
           <a:p>
             <a:pPr lvl="2"/>
             <a:r>
-              <a:rPr lang="en-US" smtClean="0"/>
+              <a:rPr lang="en-US"/>
               <a:t>Third level</a:t>
             </a:r>
           </a:p>
           <a:p>
             <a:pPr lvl="3"/>
             <a:r>
-              <a:rPr lang="en-US" smtClean="0"/>
+              <a:rPr lang="en-US"/>
               <a:t>Fourth level</a:t>
             </a:r>
           </a:p>
           <a:p>
             <a:pPr lvl="4"/>
             <a:r>
-              <a:rPr lang="en-US" smtClean="0"/>
+              <a:rPr lang="en-US"/>
               <a:t>Fifth level</a:t>
             </a:r>
-            <a:endParaRPr lang="en-US"/>
           </a:p>
         </p:txBody>
       </p:sp>
@@ -1666,7 +1669,7 @@
           <a:p>
             <a:pPr lvl="0"/>
             <a:r>
-              <a:rPr lang="en-US" smtClean="0"/>
+              <a:rPr lang="en-US"/>
               <a:t>Click to edit Master text styles</a:t>
             </a:r>
           </a:p>
@@ -1722,38 +1725,37 @@
           <a:p>
             <a:pPr lvl="0"/>
             <a:r>
-              <a:rPr lang="en-US" smtClean="0"/>
+              <a:rPr lang="en-US"/>
               <a:t>Click to edit Master text styles</a:t>
             </a:r>
           </a:p>
           <a:p>
             <a:pPr lvl="1"/>
             <a:r>
-              <a:rPr lang="en-US" smtClean="0"/>
+              <a:rPr lang="en-US"/>
               <a:t>Second level</a:t>
             </a:r>
           </a:p>
           <a:p>
             <a:pPr lvl="2"/>
             <a:r>
-              <a:rPr lang="en-US" smtClean="0"/>
+              <a:rPr lang="en-US"/>
               <a:t>Third level</a:t>
             </a:r>
           </a:p>
           <a:p>
             <a:pPr lvl="3"/>
             <a:r>
-              <a:rPr lang="en-US" smtClean="0"/>
+              <a:rPr lang="en-US"/>
               <a:t>Fourth level</a:t>
             </a:r>
           </a:p>
           <a:p>
             <a:pPr lvl="4"/>
             <a:r>
-              <a:rPr lang="en-US" smtClean="0"/>
+              <a:rPr lang="en-US"/>
               <a:t>Fifth level</a:t>
             </a:r>
-            <a:endParaRPr lang="en-US"/>
           </a:p>
         </p:txBody>
       </p:sp>
@@ -1774,7 +1776,7 @@
           <a:p>
             <a:fld id="{5BCAD085-E8A6-8845-BD4E-CB4CCA059FC4}" type="datetimeFigureOut">
               <a:rPr lang="en-US" smtClean="0"/>
-              <a:t>1/27/13</a:t>
+              <a:t>12/9/2025</a:t>
             </a:fld>
             <a:endParaRPr lang="en-US"/>
           </a:p>
@@ -1868,10 +1870,9 @@
           <a:lstStyle/>
           <a:p>
             <a:r>
-              <a:rPr lang="en-US" smtClean="0"/>
+              <a:rPr lang="en-US"/>
               <a:t>Click to edit Master title style</a:t>
             </a:r>
-            <a:endParaRPr lang="en-US"/>
           </a:p>
         </p:txBody>
       </p:sp>
@@ -1892,7 +1893,7 @@
           <a:p>
             <a:fld id="{5BCAD085-E8A6-8845-BD4E-CB4CCA059FC4}" type="datetimeFigureOut">
               <a:rPr lang="en-US" smtClean="0"/>
-              <a:t>1/27/13</a:t>
+              <a:t>12/9/2025</a:t>
             </a:fld>
             <a:endParaRPr lang="en-US"/>
           </a:p>
@@ -1987,7 +1988,7 @@
           <a:p>
             <a:fld id="{5BCAD085-E8A6-8845-BD4E-CB4CCA059FC4}" type="datetimeFigureOut">
               <a:rPr lang="en-US" smtClean="0"/>
-              <a:t>1/27/13</a:t>
+              <a:t>12/9/2025</a:t>
             </a:fld>
             <a:endParaRPr lang="en-US"/>
           </a:p>
@@ -2090,10 +2091,9 @@
           </a:lstStyle>
           <a:p>
             <a:r>
-              <a:rPr lang="en-US" smtClean="0"/>
+              <a:rPr lang="en-US"/>
               <a:t>Click to edit Master title style</a:t>
             </a:r>
-            <a:endParaRPr lang="en-US"/>
           </a:p>
         </p:txBody>
       </p:sp>
@@ -2147,38 +2147,37 @@
           <a:p>
             <a:pPr lvl="0"/>
             <a:r>
-              <a:rPr lang="en-US" smtClean="0"/>
+              <a:rPr lang="en-US"/>
               <a:t>Click to edit Master text styles</a:t>
             </a:r>
           </a:p>
           <a:p>
             <a:pPr lvl="1"/>
             <a:r>
-              <a:rPr lang="en-US" smtClean="0"/>
+              <a:rPr lang="en-US"/>
               <a:t>Second level</a:t>
             </a:r>
           </a:p>
           <a:p>
             <a:pPr lvl="2"/>
             <a:r>
-              <a:rPr lang="en-US" smtClean="0"/>
+              <a:rPr lang="en-US"/>
               <a:t>Third level</a:t>
             </a:r>
           </a:p>
           <a:p>
             <a:pPr lvl="3"/>
             <a:r>
-              <a:rPr lang="en-US" smtClean="0"/>
+              <a:rPr lang="en-US"/>
               <a:t>Fourth level</a:t>
             </a:r>
           </a:p>
           <a:p>
             <a:pPr lvl="4"/>
             <a:r>
-              <a:rPr lang="en-US" smtClean="0"/>
+              <a:rPr lang="en-US"/>
               <a:t>Fifth level</a:t>
             </a:r>
-            <a:endParaRPr lang="en-US"/>
           </a:p>
         </p:txBody>
       </p:sp>
@@ -2241,7 +2240,7 @@
           <a:p>
             <a:pPr lvl="0"/>
             <a:r>
-              <a:rPr lang="en-US" smtClean="0"/>
+              <a:rPr lang="en-US"/>
               <a:t>Click to edit Master text styles</a:t>
             </a:r>
           </a:p>
@@ -2264,7 +2263,7 @@
           <a:p>
             <a:fld id="{5BCAD085-E8A6-8845-BD4E-CB4CCA059FC4}" type="datetimeFigureOut">
               <a:rPr lang="en-US" smtClean="0"/>
-              <a:t>1/27/13</a:t>
+              <a:t>12/9/2025</a:t>
             </a:fld>
             <a:endParaRPr lang="en-US"/>
           </a:p>
@@ -2367,10 +2366,9 @@
           </a:lstStyle>
           <a:p>
             <a:r>
-              <a:rPr lang="en-US" smtClean="0"/>
+              <a:rPr lang="en-US"/>
               <a:t>Click to edit Master title style</a:t>
             </a:r>
-            <a:endParaRPr lang="en-US"/>
           </a:p>
         </p:txBody>
       </p:sp>
@@ -2494,7 +2492,7 @@
           <a:p>
             <a:pPr lvl="0"/>
             <a:r>
-              <a:rPr lang="en-US" smtClean="0"/>
+              <a:rPr lang="en-US"/>
               <a:t>Click to edit Master text styles</a:t>
             </a:r>
           </a:p>
@@ -2517,7 +2515,7 @@
           <a:p>
             <a:fld id="{5BCAD085-E8A6-8845-BD4E-CB4CCA059FC4}" type="datetimeFigureOut">
               <a:rPr lang="en-US" smtClean="0"/>
-              <a:t>1/27/13</a:t>
+              <a:t>12/9/2025</a:t>
             </a:fld>
             <a:endParaRPr lang="en-US"/>
           </a:p>
@@ -2626,10 +2624,9 @@
           <a:lstStyle/>
           <a:p>
             <a:r>
-              <a:rPr lang="en-US" smtClean="0"/>
+              <a:rPr lang="en-US"/>
               <a:t>Click to edit Master title style</a:t>
             </a:r>
-            <a:endParaRPr lang="en-US"/>
           </a:p>
         </p:txBody>
       </p:sp>
@@ -2660,38 +2657,37 @@
           <a:p>
             <a:pPr lvl="0"/>
             <a:r>
-              <a:rPr lang="en-US" smtClean="0"/>
+              <a:rPr lang="en-US"/>
               <a:t>Click to edit Master text styles</a:t>
             </a:r>
           </a:p>
           <a:p>
             <a:pPr lvl="1"/>
             <a:r>
-              <a:rPr lang="en-US" smtClean="0"/>
+              <a:rPr lang="en-US"/>
               <a:t>Second level</a:t>
             </a:r>
           </a:p>
           <a:p>
             <a:pPr lvl="2"/>
             <a:r>
-              <a:rPr lang="en-US" smtClean="0"/>
+              <a:rPr lang="en-US"/>
               <a:t>Third level</a:t>
             </a:r>
           </a:p>
           <a:p>
             <a:pPr lvl="3"/>
             <a:r>
-              <a:rPr lang="en-US" smtClean="0"/>
+              <a:rPr lang="en-US"/>
               <a:t>Fourth level</a:t>
             </a:r>
           </a:p>
           <a:p>
             <a:pPr lvl="4"/>
             <a:r>
-              <a:rPr lang="en-US" smtClean="0"/>
+              <a:rPr lang="en-US"/>
               <a:t>Fifth level</a:t>
             </a:r>
-            <a:endParaRPr lang="en-US"/>
           </a:p>
         </p:txBody>
       </p:sp>
@@ -2730,7 +2726,7 @@
           <a:p>
             <a:fld id="{5BCAD085-E8A6-8845-BD4E-CB4CCA059FC4}" type="datetimeFigureOut">
               <a:rPr lang="en-US" smtClean="0"/>
-              <a:t>1/27/13</a:t>
+              <a:t>12/9/2025</a:t>
             </a:fld>
             <a:endParaRPr lang="en-US"/>
           </a:p>
@@ -3089,7 +3085,7 @@
 </file>
 
 <file path=ppt/slides/slide1.xml><?xml version="1.0" encoding="utf-8"?>
-<p:sld xmlns:a="http://schemas.openxmlformats.org/drawingml/2006/main" xmlns:p="http://schemas.openxmlformats.org/presentationml/2006/main" xmlns:r="http://schemas.openxmlformats.org/officeDocument/2006/relationships">
+<p:sld xmlns:a="http://schemas.openxmlformats.org/drawingml/2006/main" xmlns:r="http://schemas.openxmlformats.org/officeDocument/2006/relationships" xmlns:p="http://schemas.openxmlformats.org/presentationml/2006/main">
   <p:cSld>
     <p:spTree>
       <p:nvGrpSpPr>
@@ -3097,7 +3093,14 @@
         <p:cNvGrpSpPr/>
         <p:nvPr/>
       </p:nvGrpSpPr>
-      <p:grpSpPr/>
+      <p:grpSpPr>
+        <a:xfrm>
+          <a:off x="0" y="0"/>
+          <a:ext cx="0" cy="0"/>
+          <a:chOff x="0" y="0"/>
+          <a:chExt cx="0" cy="0"/>
+        </a:xfrm>
+      </p:grpSpPr>
       <p:sp>
         <p:nvSpPr>
           <p:cNvPr id="2" name="Title 1"/>
@@ -3108,12 +3111,18 @@
             <p:ph type="title"/>
           </p:nvPr>
         </p:nvSpPr>
-        <p:spPr/>
-        <p:txBody>
-          <a:bodyPr/>
-          <a:lstStyle/>
-          <a:p>
-            <a:r>
+        <p:spPr>
+          <a:xfrm>
+            <a:off x="457200" y="834390"/>
+            <a:ext cx="8229600" cy="2514600"/>
+          </a:xfrm>
+        </p:spPr>
+        <p:txBody>
+          <a:bodyPr/>
+          <a:lstStyle/>
+          <a:p>
+            <a:r>
+              <a:rPr dirty="0"/>
               <a:t>ANALYSING THE IMPACT OF RISK AND RETURN IN MUTUAL FUND INVESTMENT</a:t>
             </a:r>
           </a:p>
@@ -3129,29 +3138,38 @@
             <p:ph idx="1"/>
           </p:nvPr>
         </p:nvSpPr>
-        <p:spPr/>
-        <p:txBody>
-          <a:bodyPr/>
-          <a:lstStyle/>
-          <a:p>
-            <a:r>
-              <a:t>Student Name: Shrivathsa M R</a:t>
-            </a:r>
-          </a:p>
-          <a:p>
-            <a:r>
-              <a:t>Register Number: __________</a:t>
-            </a:r>
-          </a:p>
-          <a:p>
-            <a:r>
-              <a:t>MBA – Finance</a:t>
-            </a:r>
-          </a:p>
-          <a:p>
-            <a:r>
-              <a:t>Kristu Jayanti College, Bengaluru</a:t>
-            </a:r>
+        <p:spPr>
+          <a:xfrm>
+            <a:off x="457200" y="3611563"/>
+            <a:ext cx="8229600" cy="2514600"/>
+          </a:xfrm>
+        </p:spPr>
+        <p:txBody>
+          <a:bodyPr/>
+          <a:lstStyle/>
+          <a:p>
+            <a:pPr marL="0" indent="0" algn="ctr">
+              <a:buNone/>
+            </a:pPr>
+            <a:r>
+              <a:rPr dirty="0" err="1"/>
+              <a:t>Shrivathsa</a:t>
+            </a:r>
+            <a:r>
+              <a:rPr dirty="0"/>
+              <a:t> M R</a:t>
+            </a:r>
+            <a:endParaRPr lang="en-US" dirty="0"/>
+          </a:p>
+          <a:p>
+            <a:pPr marL="0" indent="0" algn="ctr">
+              <a:buNone/>
+            </a:pPr>
+            <a:r>
+              <a:rPr lang="en-IN" dirty="0"/>
+              <a:t>24MFTF16</a:t>
+            </a:r>
+            <a:endParaRPr dirty="0"/>
           </a:p>
         </p:txBody>
       </p:sp>
@@ -3164,7 +3182,198 @@
 </file>
 
 <file path=ppt/slides/slide10.xml><?xml version="1.0" encoding="utf-8"?>
-<p:sld xmlns:a="http://schemas.openxmlformats.org/drawingml/2006/main" xmlns:p="http://schemas.openxmlformats.org/presentationml/2006/main" xmlns:r="http://schemas.openxmlformats.org/officeDocument/2006/relationships">
+<p:sld xmlns:a="http://schemas.openxmlformats.org/drawingml/2006/main" xmlns:r="http://schemas.openxmlformats.org/officeDocument/2006/relationships" xmlns:p="http://schemas.openxmlformats.org/presentationml/2006/main">
+  <p:cSld>
+    <p:spTree>
+      <p:nvGrpSpPr>
+        <p:cNvPr id="1" name="">
+          <a:extLst>
+            <a:ext uri="{FF2B5EF4-FFF2-40B4-BE49-F238E27FC236}">
+              <a16:creationId xmlns:a16="http://schemas.microsoft.com/office/drawing/2014/main" id="{2EDA09C3-D0E8-FF50-7511-73313118B79B}"/>
+            </a:ext>
+          </a:extLst>
+        </p:cNvPr>
+        <p:cNvGrpSpPr/>
+        <p:nvPr/>
+      </p:nvGrpSpPr>
+      <p:grpSpPr>
+        <a:xfrm>
+          <a:off x="0" y="0"/>
+          <a:ext cx="0" cy="0"/>
+          <a:chOff x="0" y="0"/>
+          <a:chExt cx="0" cy="0"/>
+        </a:xfrm>
+      </p:grpSpPr>
+      <p:sp>
+        <p:nvSpPr>
+          <p:cNvPr id="2" name="Title 1">
+            <a:extLst>
+              <a:ext uri="{FF2B5EF4-FFF2-40B4-BE49-F238E27FC236}">
+                <a16:creationId xmlns:a16="http://schemas.microsoft.com/office/drawing/2014/main" id="{AFAF98DD-5694-8D1C-563F-30E4300D2770}"/>
+              </a:ext>
+            </a:extLst>
+          </p:cNvPr>
+          <p:cNvSpPr>
+            <a:spLocks noGrp="1"/>
+          </p:cNvSpPr>
+          <p:nvPr>
+            <p:ph type="title"/>
+          </p:nvPr>
+        </p:nvSpPr>
+        <p:spPr>
+          <a:xfrm>
+            <a:off x="457200" y="160337"/>
+            <a:ext cx="8229600" cy="1143000"/>
+          </a:xfrm>
+        </p:spPr>
+        <p:txBody>
+          <a:bodyPr>
+            <a:normAutofit/>
+          </a:bodyPr>
+          <a:lstStyle/>
+          <a:p>
+            <a:r>
+              <a:rPr lang="en-US" dirty="0"/>
+              <a:t>HYPOTHESIS TEST RESULTS</a:t>
+            </a:r>
+          </a:p>
+        </p:txBody>
+      </p:sp>
+      <p:sp>
+        <p:nvSpPr>
+          <p:cNvPr id="3" name="Content Placeholder 2">
+            <a:extLst>
+              <a:ext uri="{FF2B5EF4-FFF2-40B4-BE49-F238E27FC236}">
+                <a16:creationId xmlns:a16="http://schemas.microsoft.com/office/drawing/2014/main" id="{4129CE41-82B7-E668-2B24-AA9BD56F4F1F}"/>
+              </a:ext>
+            </a:extLst>
+          </p:cNvPr>
+          <p:cNvSpPr>
+            <a:spLocks noGrp="1"/>
+          </p:cNvSpPr>
+          <p:nvPr>
+            <p:ph idx="1"/>
+          </p:nvPr>
+        </p:nvSpPr>
+        <p:spPr>
+          <a:xfrm>
+            <a:off x="457200" y="1177290"/>
+            <a:ext cx="8469630" cy="5520373"/>
+          </a:xfrm>
+        </p:spPr>
+        <p:txBody>
+          <a:bodyPr>
+            <a:normAutofit fontScale="92500" lnSpcReduction="20000"/>
+          </a:bodyPr>
+          <a:lstStyle/>
+          <a:p>
+            <a:r>
+              <a:rPr lang="en-US" sz="2400" b="1" dirty="0"/>
+              <a:t>H₀1</a:t>
+            </a:r>
+            <a:r>
+              <a:rPr lang="en-US" sz="2400" dirty="0"/>
+              <a:t>: There is no significant relationship between risk and return of selected mutual funds</a:t>
+            </a:r>
+          </a:p>
+          <a:p>
+            <a:pPr marL="0" indent="0">
+              <a:buNone/>
+            </a:pPr>
+            <a:r>
+              <a:rPr lang="en-US" sz="2400" dirty="0"/>
+              <a:t>        Result:  Rejected</a:t>
+            </a:r>
+          </a:p>
+          <a:p>
+            <a:pPr marL="0" indent="0">
+              <a:buNone/>
+            </a:pPr>
+            <a:r>
+              <a:rPr lang="en-US" sz="2400" dirty="0"/>
+              <a:t>	A positive relationship exists between risk and return, as observed 	through standard deviation, beta, and returns.</a:t>
+            </a:r>
+          </a:p>
+          <a:p>
+            <a:endParaRPr lang="en-US" sz="2400" dirty="0"/>
+          </a:p>
+          <a:p>
+            <a:r>
+              <a:rPr lang="en-US" sz="2400" b="1" dirty="0"/>
+              <a:t>H₀2</a:t>
+            </a:r>
+            <a:r>
+              <a:rPr lang="en-US" sz="2400" dirty="0"/>
+              <a:t>: Selected mutual funds do not significantly outperform the benchmark index</a:t>
+            </a:r>
+          </a:p>
+          <a:p>
+            <a:pPr marL="0" indent="0">
+              <a:buNone/>
+            </a:pPr>
+            <a:r>
+              <a:rPr lang="en-US" sz="2400" dirty="0"/>
+              <a:t>	Result: Accepted</a:t>
+            </a:r>
+          </a:p>
+          <a:p>
+            <a:pPr marL="0" indent="0">
+              <a:buNone/>
+            </a:pPr>
+            <a:r>
+              <a:rPr lang="en-US" sz="2400" dirty="0"/>
+              <a:t>	The selected Nifty 50 index funds closely track the benchmark and 	do not significantly outperform it.</a:t>
+            </a:r>
+          </a:p>
+          <a:p>
+            <a:endParaRPr lang="en-US" sz="2400" dirty="0"/>
+          </a:p>
+          <a:p>
+            <a:r>
+              <a:rPr lang="en-US" sz="2400" b="1" dirty="0"/>
+              <a:t>H₀3</a:t>
+            </a:r>
+            <a:r>
+              <a:rPr lang="en-US" sz="2400" dirty="0"/>
+              <a:t>: There is no significant difference in performance among selected mutual funds</a:t>
+            </a:r>
+          </a:p>
+          <a:p>
+            <a:pPr marL="0" indent="0">
+              <a:buNone/>
+            </a:pPr>
+            <a:r>
+              <a:rPr lang="en-US" sz="2400" dirty="0"/>
+              <a:t>	Result: Rejected</a:t>
+            </a:r>
+          </a:p>
+          <a:p>
+            <a:pPr marL="0" indent="0">
+              <a:buNone/>
+            </a:pPr>
+            <a:r>
+              <a:rPr lang="en-US" sz="2400" dirty="0"/>
+              <a:t>	Differences were observed in returns, risk levels, and risk-adjusted 	measures such as Sharpe Ratio, Treynor Ratio, and Jensen’s Alpha.</a:t>
+            </a:r>
+            <a:endParaRPr sz="2400" dirty="0"/>
+          </a:p>
+        </p:txBody>
+      </p:sp>
+    </p:spTree>
+    <p:extLst>
+      <p:ext uri="{BB962C8B-B14F-4D97-AF65-F5344CB8AC3E}">
+        <p14:creationId xmlns:p14="http://schemas.microsoft.com/office/powerpoint/2010/main" val="2466610219"/>
+      </p:ext>
+    </p:extLst>
+  </p:cSld>
+  <p:clrMapOvr>
+    <a:masterClrMapping/>
+  </p:clrMapOvr>
+</p:sld>
+</file>
+
+<file path=ppt/slides/slide11.xml><?xml version="1.0" encoding="utf-8"?>
+<p:sld xmlns:a="http://schemas.openxmlformats.org/drawingml/2006/main" xmlns:r="http://schemas.openxmlformats.org/officeDocument/2006/relationships" xmlns:p="http://schemas.openxmlformats.org/presentationml/2006/main">
   <p:cSld>
     <p:spTree>
       <p:nvGrpSpPr>
@@ -3172,7 +3381,14 @@
         <p:cNvGrpSpPr/>
         <p:nvPr/>
       </p:nvGrpSpPr>
-      <p:grpSpPr/>
+      <p:grpSpPr>
+        <a:xfrm>
+          <a:off x="0" y="0"/>
+          <a:ext cx="0" cy="0"/>
+          <a:chOff x="0" y="0"/>
+          <a:chExt cx="0" cy="0"/>
+        </a:xfrm>
+      </p:grpSpPr>
       <p:sp>
         <p:nvSpPr>
           <p:cNvPr id="2" name="Title 1"/>
@@ -3189,7 +3405,8 @@
           <a:lstStyle/>
           <a:p>
             <a:r>
-              <a:t>CONCLUSION</a:t>
+              <a:rPr dirty="0"/>
+              <a:t>MAJOR FINDINGS</a:t>
             </a:r>
           </a:p>
         </p:txBody>
@@ -3206,22 +3423,40 @@
         </p:nvSpPr>
         <p:spPr/>
         <p:txBody>
-          <a:bodyPr/>
-          <a:lstStyle/>
-          <a:p>
-            <a:r>
-              <a:t>• Risk and return are positively related</a:t>
-            </a:r>
-          </a:p>
-          <a:p>
-            <a:r>
-              <a:t>• Index funds reduce unsystematic risk</a:t>
-            </a:r>
-          </a:p>
-          <a:p>
-            <a:r>
-              <a:t>• Ideal for long-term wealth creation</a:t>
-            </a:r>
+          <a:bodyPr>
+            <a:normAutofit fontScale="92500" lnSpcReduction="10000"/>
+          </a:bodyPr>
+          <a:lstStyle/>
+          <a:p>
+            <a:r>
+              <a:rPr lang="en-US" dirty="0"/>
+              <a:t>Risk and return are positively related in mutual fund investments</a:t>
+            </a:r>
+          </a:p>
+          <a:p>
+            <a:r>
+              <a:rPr lang="en-US" dirty="0"/>
+              <a:t>Funds with higher risk showed relatively higher returns.</a:t>
+            </a:r>
+          </a:p>
+          <a:p>
+            <a:r>
+              <a:rPr lang="en-US" dirty="0"/>
+              <a:t>All selected mutual funds tracked the Nifty 50 index closely.</a:t>
+            </a:r>
+          </a:p>
+          <a:p>
+            <a:r>
+              <a:rPr lang="en-US" dirty="0"/>
+              <a:t>Sharpe, Treynor, and Jensen’s Alpha helped evaluate performance.</a:t>
+            </a:r>
+          </a:p>
+          <a:p>
+            <a:r>
+              <a:rPr lang="en-US" dirty="0"/>
+              <a:t>Index funds are suitable for long-term investors.</a:t>
+            </a:r>
+            <a:endParaRPr dirty="0"/>
           </a:p>
         </p:txBody>
       </p:sp>
@@ -3233,8 +3468,8 @@
 </p:sld>
 </file>
 
-<file path=ppt/slides/slide11.xml><?xml version="1.0" encoding="utf-8"?>
-<p:sld xmlns:a="http://schemas.openxmlformats.org/drawingml/2006/main" xmlns:p="http://schemas.openxmlformats.org/presentationml/2006/main" xmlns:r="http://schemas.openxmlformats.org/officeDocument/2006/relationships">
+<file path=ppt/slides/slide12.xml><?xml version="1.0" encoding="utf-8"?>
+<p:sld xmlns:a="http://schemas.openxmlformats.org/drawingml/2006/main" xmlns:r="http://schemas.openxmlformats.org/officeDocument/2006/relationships" xmlns:p="http://schemas.openxmlformats.org/presentationml/2006/main">
   <p:cSld>
     <p:spTree>
       <p:nvGrpSpPr>
@@ -3242,7 +3477,14 @@
         <p:cNvGrpSpPr/>
         <p:nvPr/>
       </p:nvGrpSpPr>
-      <p:grpSpPr/>
+      <p:grpSpPr>
+        <a:xfrm>
+          <a:off x="0" y="0"/>
+          <a:ext cx="0" cy="0"/>
+          <a:chOff x="0" y="0"/>
+          <a:chExt cx="0" cy="0"/>
+        </a:xfrm>
+      </p:grpSpPr>
       <p:sp>
         <p:nvSpPr>
           <p:cNvPr id="2" name="Title 1"/>
@@ -3253,39 +3495,21 @@
             <p:ph type="title"/>
           </p:nvPr>
         </p:nvSpPr>
-        <p:spPr/>
-        <p:txBody>
-          <a:bodyPr/>
-          <a:lstStyle/>
-          <a:p>
-            <a:r>
+        <p:spPr>
+          <a:xfrm>
+            <a:off x="457200" y="2103120"/>
+            <a:ext cx="8229600" cy="1954530"/>
+          </a:xfrm>
+        </p:spPr>
+        <p:txBody>
+          <a:bodyPr>
+            <a:normAutofit/>
+          </a:bodyPr>
+          <a:lstStyle/>
+          <a:p>
+            <a:r>
+              <a:rPr dirty="0"/>
               <a:t>THANK YOU</a:t>
-            </a:r>
-          </a:p>
-        </p:txBody>
-      </p:sp>
-      <p:sp>
-        <p:nvSpPr>
-          <p:cNvPr id="3" name="Content Placeholder 2"/>
-          <p:cNvSpPr>
-            <a:spLocks noGrp="1"/>
-          </p:cNvSpPr>
-          <p:nvPr>
-            <p:ph idx="1"/>
-          </p:nvPr>
-        </p:nvSpPr>
-        <p:spPr/>
-        <p:txBody>
-          <a:bodyPr/>
-          <a:lstStyle/>
-          <a:p>
-            <a:r>
-              <a:t>Thank You</a:t>
-            </a:r>
-          </a:p>
-          <a:p>
-            <a:r>
-              <a:t>Any Questions?</a:t>
             </a:r>
           </a:p>
         </p:txBody>
@@ -3299,7 +3523,7 @@
 </file>
 
 <file path=ppt/slides/slide2.xml><?xml version="1.0" encoding="utf-8"?>
-<p:sld xmlns:a="http://schemas.openxmlformats.org/drawingml/2006/main" xmlns:p="http://schemas.openxmlformats.org/presentationml/2006/main" xmlns:r="http://schemas.openxmlformats.org/officeDocument/2006/relationships">
+<p:sld xmlns:a="http://schemas.openxmlformats.org/drawingml/2006/main" xmlns:r="http://schemas.openxmlformats.org/officeDocument/2006/relationships" xmlns:p="http://schemas.openxmlformats.org/presentationml/2006/main">
   <p:cSld>
     <p:spTree>
       <p:nvGrpSpPr>
@@ -3307,7 +3531,14 @@
         <p:cNvGrpSpPr/>
         <p:nvPr/>
       </p:nvGrpSpPr>
-      <p:grpSpPr/>
+      <p:grpSpPr>
+        <a:xfrm>
+          <a:off x="0" y="0"/>
+          <a:ext cx="0" cy="0"/>
+          <a:chOff x="0" y="0"/>
+          <a:chExt cx="0" cy="0"/>
+        </a:xfrm>
+      </p:grpSpPr>
       <p:sp>
         <p:nvSpPr>
           <p:cNvPr id="2" name="Title 1"/>
@@ -3341,50 +3572,88 @@
         </p:nvSpPr>
         <p:spPr/>
         <p:txBody>
-          <a:bodyPr/>
-          <a:lstStyle/>
-          <a:p>
-            <a:r>
+          <a:bodyPr>
+            <a:normAutofit fontScale="92500" lnSpcReduction="20000"/>
+          </a:bodyPr>
+          <a:lstStyle/>
+          <a:p>
+            <a:pPr marL="0" indent="0">
+              <a:buNone/>
+            </a:pPr>
+            <a:r>
+              <a:rPr dirty="0"/>
               <a:t>• Introduction</a:t>
             </a:r>
           </a:p>
           <a:p>
-            <a:r>
+            <a:pPr marL="0" indent="0">
+              <a:buNone/>
+            </a:pPr>
+            <a:r>
+              <a:rPr dirty="0"/>
               <a:t>• Problem Statement</a:t>
             </a:r>
           </a:p>
           <a:p>
-            <a:r>
+            <a:pPr marL="0" indent="0">
+              <a:buNone/>
+            </a:pPr>
+            <a:r>
+              <a:rPr dirty="0"/>
               <a:t>• Objectives</a:t>
             </a:r>
           </a:p>
           <a:p>
-            <a:r>
+            <a:pPr marL="0" indent="0">
+              <a:buNone/>
+            </a:pPr>
+            <a:r>
+              <a:rPr dirty="0"/>
               <a:t>• Hypothesis</a:t>
             </a:r>
           </a:p>
           <a:p>
-            <a:r>
+            <a:pPr marL="0" indent="0">
+              <a:buNone/>
+            </a:pPr>
+            <a:r>
+              <a:rPr dirty="0"/>
               <a:t>• Methodology</a:t>
             </a:r>
           </a:p>
           <a:p>
-            <a:r>
+            <a:pPr marL="0" indent="0">
+              <a:buNone/>
+            </a:pPr>
+            <a:r>
+              <a:rPr dirty="0"/>
               <a:t>• Data Analysis</a:t>
             </a:r>
           </a:p>
           <a:p>
-            <a:r>
+            <a:pPr marL="0" indent="0">
+              <a:buNone/>
+            </a:pPr>
+            <a:r>
+              <a:rPr dirty="0"/>
               <a:t>• Major Findings</a:t>
             </a:r>
           </a:p>
           <a:p>
-            <a:r>
+            <a:pPr marL="0" indent="0">
+              <a:buNone/>
+            </a:pPr>
+            <a:r>
+              <a:rPr dirty="0"/>
               <a:t>• Conclusion</a:t>
             </a:r>
           </a:p>
           <a:p>
-            <a:r>
+            <a:pPr marL="0" indent="0">
+              <a:buNone/>
+            </a:pPr>
+            <a:r>
+              <a:rPr dirty="0"/>
               <a:t>• References</a:t>
             </a:r>
           </a:p>
@@ -3399,7 +3668,7 @@
 </file>
 
 <file path=ppt/slides/slide3.xml><?xml version="1.0" encoding="utf-8"?>
-<p:sld xmlns:a="http://schemas.openxmlformats.org/drawingml/2006/main" xmlns:p="http://schemas.openxmlformats.org/presentationml/2006/main" xmlns:r="http://schemas.openxmlformats.org/officeDocument/2006/relationships">
+<p:sld xmlns:a="http://schemas.openxmlformats.org/drawingml/2006/main" xmlns:r="http://schemas.openxmlformats.org/officeDocument/2006/relationships" xmlns:p="http://schemas.openxmlformats.org/presentationml/2006/main">
   <p:cSld>
     <p:spTree>
       <p:nvGrpSpPr>
@@ -3407,7 +3676,14 @@
         <p:cNvGrpSpPr/>
         <p:nvPr/>
       </p:nvGrpSpPr>
-      <p:grpSpPr/>
+      <p:grpSpPr>
+        <a:xfrm>
+          <a:off x="0" y="0"/>
+          <a:ext cx="0" cy="0"/>
+          <a:chOff x="0" y="0"/>
+          <a:chExt cx="0" cy="0"/>
+        </a:xfrm>
+      </p:grpSpPr>
       <p:sp>
         <p:nvSpPr>
           <p:cNvPr id="2" name="Title 1"/>
@@ -3418,12 +3694,18 @@
             <p:ph type="title"/>
           </p:nvPr>
         </p:nvSpPr>
-        <p:spPr/>
-        <p:txBody>
-          <a:bodyPr/>
-          <a:lstStyle/>
-          <a:p>
-            <a:r>
+        <p:spPr>
+          <a:xfrm>
+            <a:off x="457200" y="731837"/>
+            <a:ext cx="8229600" cy="1143000"/>
+          </a:xfrm>
+        </p:spPr>
+        <p:txBody>
+          <a:bodyPr/>
+          <a:lstStyle/>
+          <a:p>
+            <a:r>
+              <a:rPr dirty="0"/>
               <a:t>PROBLEM STATEMENT</a:t>
             </a:r>
           </a:p>
@@ -3439,27 +3721,53 @@
             <p:ph idx="1"/>
           </p:nvPr>
         </p:nvSpPr>
-        <p:spPr/>
-        <p:txBody>
-          <a:bodyPr/>
-          <a:lstStyle/>
-          <a:p>
-            <a:r>
+        <p:spPr>
+          <a:xfrm>
+            <a:off x="457200" y="2560320"/>
+            <a:ext cx="8229600" cy="3565843"/>
+          </a:xfrm>
+        </p:spPr>
+        <p:txBody>
+          <a:bodyPr/>
+          <a:lstStyle/>
+          <a:p>
+            <a:pPr marL="0" indent="0">
+              <a:buNone/>
+            </a:pPr>
+            <a:r>
+              <a:rPr dirty="0"/>
               <a:t>• Difficulty in selecting suitable mutual funds</a:t>
             </a:r>
           </a:p>
           <a:p>
-            <a:r>
+            <a:pPr marL="0" indent="0">
+              <a:buNone/>
+            </a:pPr>
+            <a:r>
+              <a:rPr dirty="0"/>
               <a:t>• Investors focus only on returns, ignore risk</a:t>
             </a:r>
           </a:p>
           <a:p>
-            <a:r>
-              <a:t>• Need for risk-adjusted evaluation</a:t>
-            </a:r>
-          </a:p>
-          <a:p>
-            <a:r>
+            <a:pPr marL="0" indent="0">
+              <a:buNone/>
+            </a:pPr>
+            <a:r>
+              <a:rPr dirty="0"/>
+              <a:t>• </a:t>
+            </a:r>
+            <a:r>
+              <a:rPr lang="en-US" dirty="0"/>
+              <a:t>Mutual fund performances varies due to         market fluctuations</a:t>
+            </a:r>
+            <a:endParaRPr dirty="0"/>
+          </a:p>
+          <a:p>
+            <a:pPr marL="0" indent="0">
+              <a:buNone/>
+            </a:pPr>
+            <a:r>
+              <a:rPr dirty="0"/>
               <a:t>• Systematic analysis required</a:t>
             </a:r>
           </a:p>
@@ -3474,7 +3782,7 @@
 </file>
 
 <file path=ppt/slides/slide4.xml><?xml version="1.0" encoding="utf-8"?>
-<p:sld xmlns:a="http://schemas.openxmlformats.org/drawingml/2006/main" xmlns:p="http://schemas.openxmlformats.org/presentationml/2006/main" xmlns:r="http://schemas.openxmlformats.org/officeDocument/2006/relationships">
+<p:sld xmlns:a="http://schemas.openxmlformats.org/drawingml/2006/main" xmlns:r="http://schemas.openxmlformats.org/officeDocument/2006/relationships" xmlns:p="http://schemas.openxmlformats.org/presentationml/2006/main">
   <p:cSld>
     <p:spTree>
       <p:nvGrpSpPr>
@@ -3482,7 +3790,14 @@
         <p:cNvGrpSpPr/>
         <p:nvPr/>
       </p:nvGrpSpPr>
-      <p:grpSpPr/>
+      <p:grpSpPr>
+        <a:xfrm>
+          <a:off x="0" y="0"/>
+          <a:ext cx="0" cy="0"/>
+          <a:chOff x="0" y="0"/>
+          <a:chExt cx="0" cy="0"/>
+        </a:xfrm>
+      </p:grpSpPr>
       <p:sp>
         <p:nvSpPr>
           <p:cNvPr id="2" name="Title 1"/>
@@ -3493,12 +3808,18 @@
             <p:ph type="title"/>
           </p:nvPr>
         </p:nvSpPr>
-        <p:spPr/>
-        <p:txBody>
-          <a:bodyPr/>
-          <a:lstStyle/>
-          <a:p>
-            <a:r>
+        <p:spPr>
+          <a:xfrm>
+            <a:off x="457200" y="789305"/>
+            <a:ext cx="8229600" cy="1143000"/>
+          </a:xfrm>
+        </p:spPr>
+        <p:txBody>
+          <a:bodyPr/>
+          <a:lstStyle/>
+          <a:p>
+            <a:r>
+              <a:rPr dirty="0"/>
               <a:t>OBJECTIVES OF THE STUDY</a:t>
             </a:r>
           </a:p>
@@ -3514,27 +3835,56 @@
             <p:ph idx="1"/>
           </p:nvPr>
         </p:nvSpPr>
-        <p:spPr/>
-        <p:txBody>
-          <a:bodyPr/>
-          <a:lstStyle/>
-          <a:p>
-            <a:r>
-              <a:t>• Analyse impact of risk on mutual fund performance</a:t>
-            </a:r>
-          </a:p>
-          <a:p>
-            <a:r>
+        <p:spPr>
+          <a:xfrm>
+            <a:off x="457200" y="2366010"/>
+            <a:ext cx="8229600" cy="3760153"/>
+          </a:xfrm>
+        </p:spPr>
+        <p:txBody>
+          <a:bodyPr/>
+          <a:lstStyle/>
+          <a:p>
+            <a:pPr marL="0" indent="0">
+              <a:buNone/>
+            </a:pPr>
+            <a:r>
+              <a:rPr dirty="0"/>
+              <a:t>• </a:t>
+            </a:r>
+            <a:r>
+              <a:rPr dirty="0" err="1"/>
+              <a:t>Analyse</a:t>
+            </a:r>
+            <a:r>
+              <a:rPr dirty="0"/>
+              <a:t> impact of risk on mutual fund performance</a:t>
+            </a:r>
+          </a:p>
+          <a:p>
+            <a:pPr marL="0" indent="0">
+              <a:buNone/>
+            </a:pPr>
+            <a:r>
+              <a:rPr dirty="0"/>
               <a:t>• Evaluate return patterns</a:t>
             </a:r>
           </a:p>
           <a:p>
-            <a:r>
+            <a:pPr marL="0" indent="0">
+              <a:buNone/>
+            </a:pPr>
+            <a:r>
+              <a:rPr dirty="0"/>
               <a:t>• Compare with Nifty 50 benchmark</a:t>
             </a:r>
           </a:p>
           <a:p>
-            <a:r>
+            <a:pPr marL="0" indent="0">
+              <a:buNone/>
+            </a:pPr>
+            <a:r>
+              <a:rPr dirty="0"/>
               <a:t>• Assist investors in decision making</a:t>
             </a:r>
           </a:p>
@@ -3549,7 +3899,7 @@
 </file>
 
 <file path=ppt/slides/slide5.xml><?xml version="1.0" encoding="utf-8"?>
-<p:sld xmlns:a="http://schemas.openxmlformats.org/drawingml/2006/main" xmlns:p="http://schemas.openxmlformats.org/presentationml/2006/main" xmlns:r="http://schemas.openxmlformats.org/officeDocument/2006/relationships">
+<p:sld xmlns:a="http://schemas.openxmlformats.org/drawingml/2006/main" xmlns:r="http://schemas.openxmlformats.org/officeDocument/2006/relationships" xmlns:p="http://schemas.openxmlformats.org/presentationml/2006/main">
   <p:cSld>
     <p:spTree>
       <p:nvGrpSpPr>
@@ -3557,7 +3907,14 @@
         <p:cNvGrpSpPr/>
         <p:nvPr/>
       </p:nvGrpSpPr>
-      <p:grpSpPr/>
+      <p:grpSpPr>
+        <a:xfrm>
+          <a:off x="0" y="0"/>
+          <a:ext cx="0" cy="0"/>
+          <a:chOff x="0" y="0"/>
+          <a:chExt cx="0" cy="0"/>
+        </a:xfrm>
+      </p:grpSpPr>
       <p:sp>
         <p:nvSpPr>
           <p:cNvPr id="2" name="Title 1"/>
@@ -3568,12 +3925,20 @@
             <p:ph type="title"/>
           </p:nvPr>
         </p:nvSpPr>
-        <p:spPr/>
-        <p:txBody>
-          <a:bodyPr/>
-          <a:lstStyle/>
-          <a:p>
-            <a:r>
+        <p:spPr>
+          <a:xfrm>
+            <a:off x="457200" y="182880"/>
+            <a:ext cx="8229600" cy="1040130"/>
+          </a:xfrm>
+        </p:spPr>
+        <p:txBody>
+          <a:bodyPr>
+            <a:normAutofit/>
+          </a:bodyPr>
+          <a:lstStyle/>
+          <a:p>
+            <a:r>
+              <a:rPr sz="3600" dirty="0"/>
               <a:t>HYPOTHESIS</a:t>
             </a:r>
           </a:p>
@@ -3589,40 +3954,131 @@
             <p:ph idx="1"/>
           </p:nvPr>
         </p:nvSpPr>
-        <p:spPr/>
-        <p:txBody>
-          <a:bodyPr/>
-          <a:lstStyle/>
-          <a:p>
-            <a:r>
-              <a:t>Null Hypothesis:</a:t>
-            </a:r>
-          </a:p>
-          <a:p>
-            <a:r>
-              <a:t>• No relationship between risk &amp; return</a:t>
-            </a:r>
-          </a:p>
-          <a:p>
-            <a:r>
-              <a:t>• Funds do not outperform benchmark</a:t>
-            </a:r>
-          </a:p>
-          <a:p/>
-          <a:p>
-            <a:r>
-              <a:t>Alternative Hypothesis:</a:t>
-            </a:r>
-          </a:p>
-          <a:p>
-            <a:r>
-              <a:t>• Significant relationship exists</a:t>
-            </a:r>
-          </a:p>
-          <a:p>
-            <a:r>
-              <a:t>• Funds outperform benchmark</a:t>
-            </a:r>
+        <p:spPr>
+          <a:xfrm>
+            <a:off x="160020" y="1223010"/>
+            <a:ext cx="8903970" cy="5543550"/>
+          </a:xfrm>
+        </p:spPr>
+        <p:txBody>
+          <a:bodyPr>
+            <a:normAutofit fontScale="92500" lnSpcReduction="10000"/>
+          </a:bodyPr>
+          <a:lstStyle/>
+          <a:p>
+            <a:pPr marL="0" indent="0">
+              <a:buNone/>
+            </a:pPr>
+            <a:r>
+              <a:rPr lang="en-US" sz="2200" b="1" dirty="0"/>
+              <a:t>Null Hypothesis (H₀)</a:t>
+            </a:r>
+          </a:p>
+          <a:p>
+            <a:pPr marL="0" indent="0">
+              <a:buNone/>
+            </a:pPr>
+            <a:endParaRPr lang="en-US" sz="2000" dirty="0"/>
+          </a:p>
+          <a:p>
+            <a:pPr marL="0" indent="0">
+              <a:buNone/>
+            </a:pPr>
+            <a:r>
+              <a:rPr lang="en-US" sz="2000" dirty="0"/>
+              <a:t>H₀1: There is no significant relationship between risk and return of selected mutual funds.</a:t>
+            </a:r>
+          </a:p>
+          <a:p>
+            <a:pPr marL="0" indent="0">
+              <a:buNone/>
+            </a:pPr>
+            <a:endParaRPr lang="en-US" sz="2000" dirty="0"/>
+          </a:p>
+          <a:p>
+            <a:pPr marL="0" indent="0">
+              <a:buNone/>
+            </a:pPr>
+            <a:r>
+              <a:rPr lang="en-US" sz="2000" dirty="0"/>
+              <a:t>H₀2: Selected mutual funds do not significantly outperform the benchmark index.</a:t>
+            </a:r>
+          </a:p>
+          <a:p>
+            <a:pPr marL="0" indent="0">
+              <a:buNone/>
+            </a:pPr>
+            <a:endParaRPr lang="en-US" sz="2000" dirty="0"/>
+          </a:p>
+          <a:p>
+            <a:pPr marL="0" indent="0">
+              <a:buNone/>
+            </a:pPr>
+            <a:r>
+              <a:rPr lang="en-US" sz="2000" dirty="0"/>
+              <a:t>H₀3: There is no significant difference in performance among selected mutual funds.</a:t>
+            </a:r>
+          </a:p>
+          <a:p>
+            <a:pPr marL="0" indent="0">
+              <a:buNone/>
+            </a:pPr>
+            <a:endParaRPr lang="en-US" sz="2200" b="1" dirty="0"/>
+          </a:p>
+          <a:p>
+            <a:pPr marL="0" indent="0">
+              <a:buNone/>
+            </a:pPr>
+            <a:r>
+              <a:rPr lang="en-US" sz="2200" b="1" dirty="0"/>
+              <a:t>Alternative Hypothesis (H₁)</a:t>
+            </a:r>
+          </a:p>
+          <a:p>
+            <a:pPr marL="0" indent="0">
+              <a:buNone/>
+            </a:pPr>
+            <a:endParaRPr lang="en-US" sz="2000" dirty="0"/>
+          </a:p>
+          <a:p>
+            <a:pPr marL="0" indent="0">
+              <a:buNone/>
+            </a:pPr>
+            <a:r>
+              <a:rPr lang="en-US" sz="2000" dirty="0"/>
+              <a:t>H₁1: There is a significant relationship between risk and return of selected mutual funds.</a:t>
+            </a:r>
+          </a:p>
+          <a:p>
+            <a:pPr marL="0" indent="0">
+              <a:buNone/>
+            </a:pPr>
+            <a:endParaRPr lang="en-US" sz="2000" dirty="0"/>
+          </a:p>
+          <a:p>
+            <a:pPr marL="0" indent="0">
+              <a:buNone/>
+            </a:pPr>
+            <a:r>
+              <a:rPr lang="en-US" sz="2000" dirty="0"/>
+              <a:t>H₁2: Selected mutual funds significantly outperform the benchmark index.</a:t>
+            </a:r>
+          </a:p>
+          <a:p>
+            <a:pPr marL="0" indent="0">
+              <a:buNone/>
+            </a:pPr>
+            <a:endParaRPr lang="en-US" sz="2000" dirty="0"/>
+          </a:p>
+          <a:p>
+            <a:pPr marL="0" indent="0">
+              <a:buNone/>
+            </a:pPr>
+            <a:r>
+              <a:rPr lang="en-US" sz="2000" dirty="0"/>
+              <a:t>H₁3: There is a significant difference in performance among selected mutual funds.</a:t>
+            </a:r>
+            <a:endParaRPr sz="2000" dirty="0"/>
           </a:p>
         </p:txBody>
       </p:sp>
@@ -3635,7 +4091,7 @@
 </file>
 
 <file path=ppt/slides/slide6.xml><?xml version="1.0" encoding="utf-8"?>
-<p:sld xmlns:a="http://schemas.openxmlformats.org/drawingml/2006/main" xmlns:p="http://schemas.openxmlformats.org/presentationml/2006/main" xmlns:r="http://schemas.openxmlformats.org/officeDocument/2006/relationships">
+<p:sld xmlns:a="http://schemas.openxmlformats.org/drawingml/2006/main" xmlns:r="http://schemas.openxmlformats.org/officeDocument/2006/relationships" xmlns:p="http://schemas.openxmlformats.org/presentationml/2006/main">
   <p:cSld>
     <p:spTree>
       <p:nvGrpSpPr>
@@ -3643,7 +4099,14 @@
         <p:cNvGrpSpPr/>
         <p:nvPr/>
       </p:nvGrpSpPr>
-      <p:grpSpPr/>
+      <p:grpSpPr>
+        <a:xfrm>
+          <a:off x="0" y="0"/>
+          <a:ext cx="0" cy="0"/>
+          <a:chOff x="0" y="0"/>
+          <a:chExt cx="0" cy="0"/>
+        </a:xfrm>
+      </p:grpSpPr>
       <p:sp>
         <p:nvSpPr>
           <p:cNvPr id="2" name="Title 1"/>
@@ -3654,12 +4117,18 @@
             <p:ph type="title"/>
           </p:nvPr>
         </p:nvSpPr>
-        <p:spPr/>
-        <p:txBody>
-          <a:bodyPr/>
-          <a:lstStyle/>
-          <a:p>
-            <a:r>
+        <p:spPr>
+          <a:xfrm>
+            <a:off x="457200" y="731837"/>
+            <a:ext cx="8229600" cy="1143000"/>
+          </a:xfrm>
+        </p:spPr>
+        <p:txBody>
+          <a:bodyPr/>
+          <a:lstStyle/>
+          <a:p>
+            <a:r>
+              <a:rPr dirty="0"/>
               <a:t>RESEARCH METHODOLOGY</a:t>
             </a:r>
           </a:p>
@@ -3675,24 +4144,54 @@
             <p:ph idx="1"/>
           </p:nvPr>
         </p:nvSpPr>
-        <p:spPr/>
-        <p:txBody>
-          <a:bodyPr/>
-          <a:lstStyle/>
-          <a:p>
-            <a:r>
+        <p:spPr>
+          <a:xfrm>
+            <a:off x="457200" y="2606040"/>
+            <a:ext cx="8229600" cy="3520123"/>
+          </a:xfrm>
+        </p:spPr>
+        <p:txBody>
+          <a:bodyPr/>
+          <a:lstStyle/>
+          <a:p>
+            <a:pPr marL="0" indent="0">
+              <a:buNone/>
+            </a:pPr>
+            <a:r>
+              <a:rPr dirty="0"/>
               <a:t>• Secondary Research</a:t>
             </a:r>
           </a:p>
           <a:p>
-            <a:r>
+            <a:pPr marL="0" indent="0">
+              <a:buNone/>
+            </a:pPr>
+            <a:r>
+              <a:rPr dirty="0"/>
               <a:t>• Descriptive &amp; Analytical Design</a:t>
             </a:r>
           </a:p>
           <a:p>
-            <a:r>
-              <a:t>• Study Period: 2021–2025</a:t>
-            </a:r>
+            <a:pPr marL="0" indent="0">
+              <a:buNone/>
+            </a:pPr>
+            <a:r>
+              <a:rPr dirty="0"/>
+              <a:t>• Study Period: </a:t>
+            </a:r>
+            <a:r>
+              <a:rPr lang="en-US" dirty="0"/>
+              <a:t>5 years (</a:t>
+            </a:r>
+            <a:r>
+              <a:rPr dirty="0"/>
+              <a:t>2021–2025</a:t>
+            </a:r>
+            <a:r>
+              <a:rPr lang="en-US" dirty="0"/>
+              <a:t>)</a:t>
+            </a:r>
+            <a:endParaRPr dirty="0"/>
           </a:p>
         </p:txBody>
       </p:sp>
@@ -3705,7 +4204,7 @@
 </file>
 
 <file path=ppt/slides/slide7.xml><?xml version="1.0" encoding="utf-8"?>
-<p:sld xmlns:a="http://schemas.openxmlformats.org/drawingml/2006/main" xmlns:p="http://schemas.openxmlformats.org/presentationml/2006/main" xmlns:r="http://schemas.openxmlformats.org/officeDocument/2006/relationships">
+<p:sld xmlns:a="http://schemas.openxmlformats.org/drawingml/2006/main" xmlns:r="http://schemas.openxmlformats.org/officeDocument/2006/relationships" xmlns:p="http://schemas.openxmlformats.org/presentationml/2006/main">
   <p:cSld>
     <p:spTree>
       <p:nvGrpSpPr>
@@ -3713,7 +4212,14 @@
         <p:cNvGrpSpPr/>
         <p:nvPr/>
       </p:nvGrpSpPr>
-      <p:grpSpPr/>
+      <p:grpSpPr>
+        <a:xfrm>
+          <a:off x="0" y="0"/>
+          <a:ext cx="0" cy="0"/>
+          <a:chOff x="0" y="0"/>
+          <a:chExt cx="0" cy="0"/>
+        </a:xfrm>
+      </p:grpSpPr>
       <p:sp>
         <p:nvSpPr>
           <p:cNvPr id="2" name="Title 1"/>
@@ -3747,42 +4253,92 @@
         </p:nvSpPr>
         <p:spPr/>
         <p:txBody>
-          <a:bodyPr/>
-          <a:lstStyle/>
-          <a:p>
-            <a:r>
+          <a:bodyPr>
+            <a:normAutofit fontScale="92500" lnSpcReduction="20000"/>
+          </a:bodyPr>
+          <a:lstStyle/>
+          <a:p>
+            <a:pPr marL="0" indent="0">
+              <a:buNone/>
+            </a:pPr>
+            <a:r>
+              <a:rPr dirty="0"/>
               <a:t>Sample:</a:t>
             </a:r>
           </a:p>
           <a:p>
-            <a:r>
+            <a:pPr marL="0" indent="0">
+              <a:buNone/>
+            </a:pPr>
+            <a:r>
+              <a:rPr dirty="0"/>
               <a:t>• ICICI Prudential Nifty 50 Index Fund</a:t>
             </a:r>
           </a:p>
           <a:p>
-            <a:r>
+            <a:pPr marL="0" indent="0">
+              <a:buNone/>
+            </a:pPr>
+            <a:r>
+              <a:rPr dirty="0"/>
               <a:t>• HDFC Index Fund</a:t>
             </a:r>
           </a:p>
           <a:p>
-            <a:r>
+            <a:pPr marL="0" indent="0">
+              <a:buNone/>
+            </a:pPr>
+            <a:r>
+              <a:rPr dirty="0"/>
               <a:t>• UTI Nifty 50 Index Fund</a:t>
             </a:r>
           </a:p>
           <a:p>
-            <a:r>
+            <a:pPr marL="0" indent="0">
+              <a:buNone/>
+            </a:pPr>
+            <a:r>
+              <a:rPr dirty="0"/>
               <a:t>• SBI Nifty Index Fund</a:t>
             </a:r>
           </a:p>
           <a:p>
-            <a:r>
+            <a:pPr marL="0" indent="0">
+              <a:buNone/>
+            </a:pPr>
+            <a:r>
+              <a:rPr dirty="0"/>
               <a:t>• Nippon India Index Fund</a:t>
             </a:r>
           </a:p>
-          <a:p/>
-          <a:p>
-            <a:r>
-              <a:t>Sources: AMFI, NSE, Moneycontrol, Yahoo Finance</a:t>
+          <a:p>
+            <a:endParaRPr dirty="0"/>
+          </a:p>
+          <a:p>
+            <a:pPr marL="0" indent="0">
+              <a:buNone/>
+            </a:pPr>
+            <a:r>
+              <a:rPr dirty="0"/>
+              <a:t>Sources:</a:t>
+            </a:r>
+            <a:endParaRPr lang="en-US" dirty="0"/>
+          </a:p>
+          <a:p>
+            <a:pPr marL="0" indent="0">
+              <a:buNone/>
+            </a:pPr>
+            <a:r>
+              <a:rPr dirty="0"/>
+              <a:t>AMFI, NSE, </a:t>
+            </a:r>
+            <a:r>
+              <a:rPr dirty="0" err="1"/>
+              <a:t>Moneycontrol</a:t>
+            </a:r>
+            <a:r>
+              <a:rPr dirty="0"/>
+              <a:t>, Yahoo Finance</a:t>
             </a:r>
           </a:p>
         </p:txBody>
@@ -3796,7 +4352,7 @@
 </file>
 
 <file path=ppt/slides/slide8.xml><?xml version="1.0" encoding="utf-8"?>
-<p:sld xmlns:a="http://schemas.openxmlformats.org/drawingml/2006/main" xmlns:p="http://schemas.openxmlformats.org/presentationml/2006/main" xmlns:r="http://schemas.openxmlformats.org/officeDocument/2006/relationships">
+<p:sld xmlns:a="http://schemas.openxmlformats.org/drawingml/2006/main" xmlns:r="http://schemas.openxmlformats.org/officeDocument/2006/relationships" xmlns:p="http://schemas.openxmlformats.org/presentationml/2006/main">
   <p:cSld>
     <p:spTree>
       <p:nvGrpSpPr>
@@ -3804,7 +4360,14 @@
         <p:cNvGrpSpPr/>
         <p:nvPr/>
       </p:nvGrpSpPr>
-      <p:grpSpPr/>
+      <p:grpSpPr>
+        <a:xfrm>
+          <a:off x="0" y="0"/>
+          <a:ext cx="0" cy="0"/>
+          <a:chOff x="0" y="0"/>
+          <a:chExt cx="0" cy="0"/>
+        </a:xfrm>
+      </p:grpSpPr>
       <p:sp>
         <p:nvSpPr>
           <p:cNvPr id="2" name="Title 1"/>
@@ -3815,13 +4378,21 @@
             <p:ph type="title"/>
           </p:nvPr>
         </p:nvSpPr>
-        <p:spPr/>
-        <p:txBody>
-          <a:bodyPr/>
-          <a:lstStyle/>
-          <a:p>
-            <a:r>
-              <a:t>TOOLS &amp; TECHNIQUES</a:t>
+        <p:spPr>
+          <a:xfrm>
+            <a:off x="457200" y="846138"/>
+            <a:ext cx="8229600" cy="1143000"/>
+          </a:xfrm>
+        </p:spPr>
+        <p:txBody>
+          <a:bodyPr>
+            <a:normAutofit fontScale="90000"/>
+          </a:bodyPr>
+          <a:lstStyle/>
+          <a:p>
+            <a:r>
+              <a:rPr lang="en-US" dirty="0"/>
+              <a:t>PERFORMANCE PARAMETERS USED</a:t>
             </a:r>
           </a:p>
         </p:txBody>
@@ -3836,43 +4407,58 @@
             <p:ph idx="1"/>
           </p:nvPr>
         </p:nvSpPr>
-        <p:spPr/>
-        <p:txBody>
-          <a:bodyPr/>
-          <a:lstStyle/>
-          <a:p>
-            <a:r>
-              <a:t>• Mean Return</a:t>
-            </a:r>
-          </a:p>
-          <a:p>
-            <a:r>
+        <p:spPr>
+          <a:xfrm>
+            <a:off x="457200" y="2526030"/>
+            <a:ext cx="8229600" cy="3600133"/>
+          </a:xfrm>
+        </p:spPr>
+        <p:txBody>
+          <a:bodyPr/>
+          <a:lstStyle/>
+          <a:p>
+            <a:pPr marL="0" indent="0">
+              <a:buNone/>
+            </a:pPr>
+            <a:r>
+              <a:rPr dirty="0"/>
               <a:t>• Standard Deviation</a:t>
             </a:r>
           </a:p>
           <a:p>
-            <a:r>
+            <a:pPr marL="0" indent="0">
+              <a:buNone/>
+            </a:pPr>
+            <a:r>
+              <a:rPr dirty="0"/>
               <a:t>• Beta</a:t>
             </a:r>
           </a:p>
           <a:p>
-            <a:r>
+            <a:pPr marL="0" indent="0">
+              <a:buNone/>
+            </a:pPr>
+            <a:r>
+              <a:rPr dirty="0"/>
               <a:t>• Sharpe Ratio</a:t>
             </a:r>
           </a:p>
           <a:p>
-            <a:r>
+            <a:pPr marL="0" indent="0">
+              <a:buNone/>
+            </a:pPr>
+            <a:r>
+              <a:rPr dirty="0"/>
               <a:t>• Treynor Ratio</a:t>
             </a:r>
           </a:p>
           <a:p>
-            <a:r>
+            <a:pPr marL="0" indent="0">
+              <a:buNone/>
+            </a:pPr>
+            <a:r>
+              <a:rPr dirty="0"/>
               <a:t>• Jensen’s Alpha</a:t>
-            </a:r>
-          </a:p>
-          <a:p>
-            <a:r>
-              <a:t>• CAGR</a:t>
             </a:r>
           </a:p>
         </p:txBody>
@@ -3886,18 +4472,37 @@
 </file>
 
 <file path=ppt/slides/slide9.xml><?xml version="1.0" encoding="utf-8"?>
-<p:sld xmlns:a="http://schemas.openxmlformats.org/drawingml/2006/main" xmlns:p="http://schemas.openxmlformats.org/presentationml/2006/main" xmlns:r="http://schemas.openxmlformats.org/officeDocument/2006/relationships">
+<p:sld xmlns:a="http://schemas.openxmlformats.org/drawingml/2006/main" xmlns:r="http://schemas.openxmlformats.org/officeDocument/2006/relationships" xmlns:p="http://schemas.openxmlformats.org/presentationml/2006/main">
   <p:cSld>
     <p:spTree>
       <p:nvGrpSpPr>
-        <p:cNvPr id="1" name=""/>
+        <p:cNvPr id="1" name="">
+          <a:extLst>
+            <a:ext uri="{FF2B5EF4-FFF2-40B4-BE49-F238E27FC236}">
+              <a16:creationId xmlns:a16="http://schemas.microsoft.com/office/drawing/2014/main" id="{C067EC07-5423-C3C5-F779-CEC193F768FE}"/>
+            </a:ext>
+          </a:extLst>
+        </p:cNvPr>
         <p:cNvGrpSpPr/>
         <p:nvPr/>
       </p:nvGrpSpPr>
-      <p:grpSpPr/>
-      <p:sp>
-        <p:nvSpPr>
-          <p:cNvPr id="2" name="Title 1"/>
+      <p:grpSpPr>
+        <a:xfrm>
+          <a:off x="0" y="0"/>
+          <a:ext cx="0" cy="0"/>
+          <a:chOff x="0" y="0"/>
+          <a:chExt cx="0" cy="0"/>
+        </a:xfrm>
+      </p:grpSpPr>
+      <p:sp>
+        <p:nvSpPr>
+          <p:cNvPr id="2" name="Title 1">
+            <a:extLst>
+              <a:ext uri="{FF2B5EF4-FFF2-40B4-BE49-F238E27FC236}">
+                <a16:creationId xmlns:a16="http://schemas.microsoft.com/office/drawing/2014/main" id="{407FB37A-9300-AF2A-AD34-25C093B31D0B}"/>
+              </a:ext>
+            </a:extLst>
+          </p:cNvPr>
           <p:cNvSpPr>
             <a:spLocks noGrp="1"/>
           </p:cNvSpPr>
@@ -3905,20 +4510,34 @@
             <p:ph type="title"/>
           </p:nvPr>
         </p:nvSpPr>
-        <p:spPr/>
-        <p:txBody>
-          <a:bodyPr/>
-          <a:lstStyle/>
-          <a:p>
-            <a:r>
-              <a:t>MAJOR FINDINGS</a:t>
-            </a:r>
-          </a:p>
-        </p:txBody>
-      </p:sp>
-      <p:sp>
-        <p:nvSpPr>
-          <p:cNvPr id="3" name="Content Placeholder 2"/>
+        <p:spPr>
+          <a:xfrm>
+            <a:off x="457200" y="583248"/>
+            <a:ext cx="8229600" cy="1143000"/>
+          </a:xfrm>
+        </p:spPr>
+        <p:txBody>
+          <a:bodyPr>
+            <a:normAutofit/>
+          </a:bodyPr>
+          <a:lstStyle/>
+          <a:p>
+            <a:r>
+              <a:rPr lang="en-US" dirty="0"/>
+              <a:t>DATA ANALYSIS</a:t>
+            </a:r>
+          </a:p>
+        </p:txBody>
+      </p:sp>
+      <p:sp>
+        <p:nvSpPr>
+          <p:cNvPr id="3" name="Content Placeholder 2">
+            <a:extLst>
+              <a:ext uri="{FF2B5EF4-FFF2-40B4-BE49-F238E27FC236}">
+                <a16:creationId xmlns:a16="http://schemas.microsoft.com/office/drawing/2014/main" id="{2F9DA638-17C2-00F4-6B65-365C0910CC26}"/>
+              </a:ext>
+            </a:extLst>
+          </p:cNvPr>
           <p:cNvSpPr>
             <a:spLocks noGrp="1"/>
           </p:cNvSpPr>
@@ -3926,33 +4545,80 @@
             <p:ph idx="1"/>
           </p:nvPr>
         </p:nvSpPr>
-        <p:spPr/>
-        <p:txBody>
-          <a:bodyPr/>
-          <a:lstStyle/>
-          <a:p>
-            <a:r>
-              <a:t>• Index funds closely track Nifty 50</a:t>
-            </a:r>
-          </a:p>
-          <a:p>
-            <a:r>
-              <a:t>• Low expense ratio improves returns</a:t>
-            </a:r>
-          </a:p>
-          <a:p>
-            <a:r>
-              <a:t>• Moderate risk with stable returns</a:t>
-            </a:r>
-          </a:p>
-          <a:p>
-            <a:r>
-              <a:t>• Suitable for long-term investors</a:t>
-            </a:r>
+        <p:spPr>
+          <a:xfrm>
+            <a:off x="457200" y="1851660"/>
+            <a:ext cx="8229600" cy="4274503"/>
+          </a:xfrm>
+        </p:spPr>
+        <p:txBody>
+          <a:bodyPr>
+            <a:normAutofit fontScale="70000" lnSpcReduction="20000"/>
+          </a:bodyPr>
+          <a:lstStyle/>
+          <a:p>
+            <a:r>
+              <a:rPr lang="en-US" dirty="0"/>
+              <a:t>Monthly and annual returns were calculated using NAV data.</a:t>
+            </a:r>
+          </a:p>
+          <a:p>
+            <a:pPr marL="0" indent="0">
+              <a:buNone/>
+            </a:pPr>
+            <a:endParaRPr lang="en-US" dirty="0"/>
+          </a:p>
+          <a:p>
+            <a:r>
+              <a:rPr lang="en-US" dirty="0"/>
+              <a:t>Risk-adjusted performance was evaluated using Sharpe, Treynor, and Jensen’s Alpha.</a:t>
+            </a:r>
+          </a:p>
+          <a:p>
+            <a:pPr marL="0" indent="0">
+              <a:buNone/>
+            </a:pPr>
+            <a:endParaRPr lang="en-US" dirty="0"/>
+          </a:p>
+          <a:p>
+            <a:r>
+              <a:rPr lang="en-US" dirty="0"/>
+              <a:t>Benchmark comparison was done with Nifty 50 Index.</a:t>
+            </a:r>
+          </a:p>
+          <a:p>
+            <a:pPr marL="0" indent="0">
+              <a:buNone/>
+            </a:pPr>
+            <a:endParaRPr lang="en-US" dirty="0"/>
+          </a:p>
+          <a:p>
+            <a:r>
+              <a:rPr lang="en-US" dirty="0"/>
+              <a:t>Results showed variation in performance among selected index funds.</a:t>
+            </a:r>
+          </a:p>
+          <a:p>
+            <a:pPr marL="0" indent="0">
+              <a:buNone/>
+            </a:pPr>
+            <a:endParaRPr lang="en-US" dirty="0"/>
+          </a:p>
+          <a:p>
+            <a:r>
+              <a:rPr lang="en-US" dirty="0"/>
+              <a:t>Risk and return were found to be positively related.</a:t>
+            </a:r>
+            <a:endParaRPr dirty="0"/>
           </a:p>
         </p:txBody>
       </p:sp>
     </p:spTree>
+    <p:extLst>
+      <p:ext uri="{BB962C8B-B14F-4D97-AF65-F5344CB8AC3E}">
+        <p14:creationId xmlns:p14="http://schemas.microsoft.com/office/powerpoint/2010/main" val="936694947"/>
+      </p:ext>
+    </p:extLst>
   </p:cSld>
   <p:clrMapOvr>
     <a:masterClrMapping/>
@@ -4278,4 +4944,10 @@
   </a:objectDefaults>
   <a:extraClrSchemeLst/>
 </a:theme>
+</file>
+
+<file path=docMetadata/LabelInfo.xml><?xml version="1.0" encoding="utf-8"?>
+<clbl:labelList xmlns:clbl="http://schemas.microsoft.com/office/2020/mipLabelMetadata">
+  <clbl:label id="{e760c494-6550-44b4-8258-77c175d778b7}" enabled="1" method="Privileged" siteId="{76a2ae5a-9f00-4f6b-95ed-5d33d77c4d61}" contentBits="0" removed="0"/>
+</clbl:labelList>
 </file>
--- a/Viva_Project_Presentation_Shrivathsa.pptx
+++ b/Viva_Project_Presentation_Shrivathsa.pptx
@@ -15,8 +15,9 @@
     <p:sldId id="263" r:id="rId9"/>
     <p:sldId id="267" r:id="rId10"/>
     <p:sldId id="268" r:id="rId11"/>
-    <p:sldId id="264" r:id="rId12"/>
-    <p:sldId id="266" r:id="rId13"/>
+    <p:sldId id="269" r:id="rId12"/>
+    <p:sldId id="264" r:id="rId13"/>
+    <p:sldId id="266" r:id="rId14"/>
   </p:sldIdLst>
   <p:sldSz cx="9144000" cy="6858000" type="screen4x3"/>
   <p:notesSz cx="6858000" cy="9144000"/>
@@ -313,7 +314,7 @@
           <a:p>
             <a:fld id="{5BCAD085-E8A6-8845-BD4E-CB4CCA059FC4}" type="datetimeFigureOut">
               <a:rPr lang="en-US" smtClean="0"/>
-              <a:t>12/9/2025</a:t>
+              <a:t>12/11/2025</a:t>
             </a:fld>
             <a:endParaRPr lang="en-US"/>
           </a:p>
@@ -481,7 +482,7 @@
           <a:p>
             <a:fld id="{5BCAD085-E8A6-8845-BD4E-CB4CCA059FC4}" type="datetimeFigureOut">
               <a:rPr lang="en-US" smtClean="0"/>
-              <a:t>12/9/2025</a:t>
+              <a:t>12/11/2025</a:t>
             </a:fld>
             <a:endParaRPr lang="en-US"/>
           </a:p>
@@ -659,7 +660,7 @@
           <a:p>
             <a:fld id="{5BCAD085-E8A6-8845-BD4E-CB4CCA059FC4}" type="datetimeFigureOut">
               <a:rPr lang="en-US" smtClean="0"/>
-              <a:t>12/9/2025</a:t>
+              <a:t>12/11/2025</a:t>
             </a:fld>
             <a:endParaRPr lang="en-US"/>
           </a:p>
@@ -827,7 +828,7 @@
           <a:p>
             <a:fld id="{5BCAD085-E8A6-8845-BD4E-CB4CCA059FC4}" type="datetimeFigureOut">
               <a:rPr lang="en-US" smtClean="0"/>
-              <a:t>12/9/2025</a:t>
+              <a:t>12/11/2025</a:t>
             </a:fld>
             <a:endParaRPr lang="en-US"/>
           </a:p>
@@ -1072,7 +1073,7 @@
           <a:p>
             <a:fld id="{5BCAD085-E8A6-8845-BD4E-CB4CCA059FC4}" type="datetimeFigureOut">
               <a:rPr lang="en-US" smtClean="0"/>
-              <a:t>12/9/2025</a:t>
+              <a:t>12/11/2025</a:t>
             </a:fld>
             <a:endParaRPr lang="en-US"/>
           </a:p>
@@ -1357,7 +1358,7 @@
           <a:p>
             <a:fld id="{5BCAD085-E8A6-8845-BD4E-CB4CCA059FC4}" type="datetimeFigureOut">
               <a:rPr lang="en-US" smtClean="0"/>
-              <a:t>12/9/2025</a:t>
+              <a:t>12/11/2025</a:t>
             </a:fld>
             <a:endParaRPr lang="en-US"/>
           </a:p>
@@ -1776,7 +1777,7 @@
           <a:p>
             <a:fld id="{5BCAD085-E8A6-8845-BD4E-CB4CCA059FC4}" type="datetimeFigureOut">
               <a:rPr lang="en-US" smtClean="0"/>
-              <a:t>12/9/2025</a:t>
+              <a:t>12/11/2025</a:t>
             </a:fld>
             <a:endParaRPr lang="en-US"/>
           </a:p>
@@ -1893,7 +1894,7 @@
           <a:p>
             <a:fld id="{5BCAD085-E8A6-8845-BD4E-CB4CCA059FC4}" type="datetimeFigureOut">
               <a:rPr lang="en-US" smtClean="0"/>
-              <a:t>12/9/2025</a:t>
+              <a:t>12/11/2025</a:t>
             </a:fld>
             <a:endParaRPr lang="en-US"/>
           </a:p>
@@ -1988,7 +1989,7 @@
           <a:p>
             <a:fld id="{5BCAD085-E8A6-8845-BD4E-CB4CCA059FC4}" type="datetimeFigureOut">
               <a:rPr lang="en-US" smtClean="0"/>
-              <a:t>12/9/2025</a:t>
+              <a:t>12/11/2025</a:t>
             </a:fld>
             <a:endParaRPr lang="en-US"/>
           </a:p>
@@ -2263,7 +2264,7 @@
           <a:p>
             <a:fld id="{5BCAD085-E8A6-8845-BD4E-CB4CCA059FC4}" type="datetimeFigureOut">
               <a:rPr lang="en-US" smtClean="0"/>
-              <a:t>12/9/2025</a:t>
+              <a:t>12/11/2025</a:t>
             </a:fld>
             <a:endParaRPr lang="en-US"/>
           </a:p>
@@ -2515,7 +2516,7 @@
           <a:p>
             <a:fld id="{5BCAD085-E8A6-8845-BD4E-CB4CCA059FC4}" type="datetimeFigureOut">
               <a:rPr lang="en-US" smtClean="0"/>
-              <a:t>12/9/2025</a:t>
+              <a:t>12/11/2025</a:t>
             </a:fld>
             <a:endParaRPr lang="en-US"/>
           </a:p>
@@ -2726,7 +2727,7 @@
           <a:p>
             <a:fld id="{5BCAD085-E8A6-8845-BD4E-CB4CCA059FC4}" type="datetimeFigureOut">
               <a:rPr lang="en-US" smtClean="0"/>
-              <a:t>12/9/2025</a:t>
+              <a:t>12/11/2025</a:t>
             </a:fld>
             <a:endParaRPr lang="en-US"/>
           </a:p>
@@ -3222,7 +3223,7 @@
         </p:nvSpPr>
         <p:spPr>
           <a:xfrm>
-            <a:off x="457200" y="160337"/>
+            <a:off x="457200" y="0"/>
             <a:ext cx="8229600" cy="1143000"/>
           </a:xfrm>
         </p:spPr>
@@ -3233,7 +3234,7 @@
           <a:lstStyle/>
           <a:p>
             <a:r>
-              <a:rPr lang="en-US" dirty="0"/>
+              <a:rPr lang="en-US" sz="3600" dirty="0"/>
               <a:t>HYPOTHESIS TEST RESULTS</a:t>
             </a:r>
           </a:p>
@@ -3257,13 +3258,13 @@
         </p:nvSpPr>
         <p:spPr>
           <a:xfrm>
-            <a:off x="457200" y="1177290"/>
-            <a:ext cx="8469630" cy="5520373"/>
+            <a:off x="457200" y="970156"/>
+            <a:ext cx="8469630" cy="5727507"/>
           </a:xfrm>
         </p:spPr>
         <p:txBody>
           <a:bodyPr>
-            <a:normAutofit fontScale="92500" lnSpcReduction="20000"/>
+            <a:normAutofit/>
           </a:bodyPr>
           <a:lstStyle/>
           <a:p>
@@ -3281,81 +3282,340 @@
               <a:buNone/>
             </a:pPr>
             <a:r>
+              <a:rPr lang="en-US" sz="2000" dirty="0"/>
+              <a:t>	</a:t>
+            </a:r>
+            <a:endParaRPr lang="en-US" sz="2400" dirty="0"/>
+          </a:p>
+        </p:txBody>
+      </p:sp>
+      <p:graphicFrame>
+        <p:nvGraphicFramePr>
+          <p:cNvPr id="4" name="Table 3">
+            <a:extLst>
+              <a:ext uri="{FF2B5EF4-FFF2-40B4-BE49-F238E27FC236}">
+                <a16:creationId xmlns:a16="http://schemas.microsoft.com/office/drawing/2014/main" id="{D54EBA0A-5CCB-C59E-AC95-6D35664ABF8A}"/>
+              </a:ext>
+            </a:extLst>
+          </p:cNvPr>
+          <p:cNvGraphicFramePr>
+            <a:graphicFrameLocks noGrp="1"/>
+          </p:cNvGraphicFramePr>
+          <p:nvPr>
+            <p:extLst>
+              <p:ext uri="{D42A27DB-BD31-4B8C-83A1-F6EECF244321}">
+                <p14:modId xmlns:p14="http://schemas.microsoft.com/office/powerpoint/2010/main" val="4085261432"/>
+              </p:ext>
+            </p:extLst>
+          </p:nvPr>
+        </p:nvGraphicFramePr>
+        <p:xfrm>
+          <a:off x="1717288" y="1953916"/>
+          <a:ext cx="5709424" cy="3483529"/>
+        </p:xfrm>
+        <a:graphic>
+          <a:graphicData uri="http://schemas.openxmlformats.org/drawingml/2006/table">
+            <a:tbl>
+              <a:tblPr firstRow="1" bandRow="1">
+                <a:tableStyleId>{5C22544A-7EE6-4342-B048-85BDC9FD1C3A}</a:tableStyleId>
+              </a:tblPr>
+              <a:tblGrid>
+                <a:gridCol w="2745250">
+                  <a:extLst>
+                    <a:ext uri="{9D8B030D-6E8A-4147-A177-3AD203B41FA5}">
+                      <a16:colId xmlns:a16="http://schemas.microsoft.com/office/drawing/2014/main" val="2685028497"/>
+                    </a:ext>
+                  </a:extLst>
+                </a:gridCol>
+                <a:gridCol w="2964174">
+                  <a:extLst>
+                    <a:ext uri="{9D8B030D-6E8A-4147-A177-3AD203B41FA5}">
+                      <a16:colId xmlns:a16="http://schemas.microsoft.com/office/drawing/2014/main" val="3056453898"/>
+                    </a:ext>
+                  </a:extLst>
+                </a:gridCol>
+              </a:tblGrid>
+              <a:tr h="440414">
+                <a:tc>
+                  <a:txBody>
+                    <a:bodyPr/>
+                    <a:lstStyle/>
+                    <a:p>
+                      <a:r>
+                        <a:rPr lang="en-US" dirty="0"/>
+                        <a:t>FUND NAME</a:t>
+                      </a:r>
+                      <a:endParaRPr lang="en-IN" dirty="0"/>
+                    </a:p>
+                  </a:txBody>
+                  <a:tcPr/>
+                </a:tc>
+                <a:tc>
+                  <a:txBody>
+                    <a:bodyPr/>
+                    <a:lstStyle/>
+                    <a:p>
+                      <a:r>
+                        <a:rPr lang="en-US" dirty="0"/>
+                        <a:t>SHARPE RATIO</a:t>
+                      </a:r>
+                      <a:endParaRPr lang="en-IN" dirty="0"/>
+                    </a:p>
+                  </a:txBody>
+                  <a:tcPr/>
+                </a:tc>
+                <a:extLst>
+                  <a:ext uri="{0D108BD9-81ED-4DB2-BD59-A6C34878D82A}">
+                    <a16:rowId xmlns:a16="http://schemas.microsoft.com/office/drawing/2014/main" val="177625303"/>
+                  </a:ext>
+                </a:extLst>
+              </a:tr>
+              <a:tr h="562094">
+                <a:tc>
+                  <a:txBody>
+                    <a:bodyPr/>
+                    <a:lstStyle/>
+                    <a:p>
+                      <a:pPr algn="l"/>
+                      <a:r>
+                        <a:rPr lang="en-US" dirty="0"/>
+                        <a:t>ICICI Prudential Nifty 50</a:t>
+                      </a:r>
+                      <a:endParaRPr lang="en-IN" dirty="0"/>
+                    </a:p>
+                  </a:txBody>
+                  <a:tcPr/>
+                </a:tc>
+                <a:tc>
+                  <a:txBody>
+                    <a:bodyPr/>
+                    <a:lstStyle/>
+                    <a:p>
+                      <a:r>
+                        <a:rPr lang="en-IN" dirty="0"/>
+                        <a:t>0.196898</a:t>
+                      </a:r>
+                    </a:p>
+                  </a:txBody>
+                  <a:tcPr/>
+                </a:tc>
+                <a:extLst>
+                  <a:ext uri="{0D108BD9-81ED-4DB2-BD59-A6C34878D82A}">
+                    <a16:rowId xmlns:a16="http://schemas.microsoft.com/office/drawing/2014/main" val="699521720"/>
+                  </a:ext>
+                </a:extLst>
+              </a:tr>
+              <a:tr h="562093">
+                <a:tc>
+                  <a:txBody>
+                    <a:bodyPr/>
+                    <a:lstStyle/>
+                    <a:p>
+                      <a:r>
+                        <a:rPr lang="en-US" dirty="0"/>
+                        <a:t>HDFC Index Fund</a:t>
+                      </a:r>
+                      <a:endParaRPr lang="en-IN" dirty="0"/>
+                    </a:p>
+                  </a:txBody>
+                  <a:tcPr/>
+                </a:tc>
+                <a:tc>
+                  <a:txBody>
+                    <a:bodyPr/>
+                    <a:lstStyle/>
+                    <a:p>
+                      <a:r>
+                        <a:rPr lang="en-IN" dirty="0"/>
+                        <a:t>0.190356</a:t>
+                      </a:r>
+                    </a:p>
+                  </a:txBody>
+                  <a:tcPr/>
+                </a:tc>
+                <a:extLst>
+                  <a:ext uri="{0D108BD9-81ED-4DB2-BD59-A6C34878D82A}">
+                    <a16:rowId xmlns:a16="http://schemas.microsoft.com/office/drawing/2014/main" val="3950597818"/>
+                  </a:ext>
+                </a:extLst>
+              </a:tr>
+              <a:tr h="522878">
+                <a:tc>
+                  <a:txBody>
+                    <a:bodyPr/>
+                    <a:lstStyle/>
+                    <a:p>
+                      <a:r>
+                        <a:rPr lang="en-US" dirty="0"/>
+                        <a:t>UTI Nifty 50</a:t>
+                      </a:r>
+                      <a:endParaRPr lang="en-IN" dirty="0"/>
+                    </a:p>
+                  </a:txBody>
+                  <a:tcPr/>
+                </a:tc>
+                <a:tc>
+                  <a:txBody>
+                    <a:bodyPr/>
+                    <a:lstStyle/>
+                    <a:p>
+                      <a:r>
+                        <a:rPr lang="en-IN" dirty="0"/>
+                        <a:t>0.193848</a:t>
+                      </a:r>
+                    </a:p>
+                  </a:txBody>
+                  <a:tcPr/>
+                </a:tc>
+                <a:extLst>
+                  <a:ext uri="{0D108BD9-81ED-4DB2-BD59-A6C34878D82A}">
+                    <a16:rowId xmlns:a16="http://schemas.microsoft.com/office/drawing/2014/main" val="1208322763"/>
+                  </a:ext>
+                </a:extLst>
+              </a:tr>
+              <a:tr h="681615">
+                <a:tc>
+                  <a:txBody>
+                    <a:bodyPr/>
+                    <a:lstStyle/>
+                    <a:p>
+                      <a:r>
+                        <a:rPr lang="en-US" dirty="0"/>
+                        <a:t>Nippon India Index Fund</a:t>
+                      </a:r>
+                      <a:endParaRPr lang="en-IN" dirty="0"/>
+                    </a:p>
+                  </a:txBody>
+                  <a:tcPr/>
+                </a:tc>
+                <a:tc>
+                  <a:txBody>
+                    <a:bodyPr/>
+                    <a:lstStyle/>
+                    <a:p>
+                      <a:r>
+                        <a:rPr lang="en-IN" dirty="0"/>
+                        <a:t>0.193484</a:t>
+                      </a:r>
+                    </a:p>
+                  </a:txBody>
+                  <a:tcPr/>
+                </a:tc>
+                <a:extLst>
+                  <a:ext uri="{0D108BD9-81ED-4DB2-BD59-A6C34878D82A}">
+                    <a16:rowId xmlns:a16="http://schemas.microsoft.com/office/drawing/2014/main" val="1750503753"/>
+                  </a:ext>
+                </a:extLst>
+              </a:tr>
+              <a:tr h="714435">
+                <a:tc>
+                  <a:txBody>
+                    <a:bodyPr/>
+                    <a:lstStyle/>
+                    <a:p>
+                      <a:r>
+                        <a:rPr lang="en-US" dirty="0"/>
+                        <a:t>SBI Nifty Index Fund</a:t>
+                      </a:r>
+                      <a:endParaRPr lang="en-IN" dirty="0"/>
+                    </a:p>
+                  </a:txBody>
+                  <a:tcPr/>
+                </a:tc>
+                <a:tc>
+                  <a:txBody>
+                    <a:bodyPr/>
+                    <a:lstStyle/>
+                    <a:p>
+                      <a:r>
+                        <a:rPr lang="en-IN" dirty="0"/>
+                        <a:t>0.199235</a:t>
+                      </a:r>
+                    </a:p>
+                  </a:txBody>
+                  <a:tcPr/>
+                </a:tc>
+                <a:extLst>
+                  <a:ext uri="{0D108BD9-81ED-4DB2-BD59-A6C34878D82A}">
+                    <a16:rowId xmlns:a16="http://schemas.microsoft.com/office/drawing/2014/main" val="2438194718"/>
+                  </a:ext>
+                </a:extLst>
+              </a:tr>
+            </a:tbl>
+          </a:graphicData>
+        </a:graphic>
+      </p:graphicFrame>
+      <p:sp>
+        <p:nvSpPr>
+          <p:cNvPr id="6" name="TextBox 5">
+            <a:extLst>
+              <a:ext uri="{FF2B5EF4-FFF2-40B4-BE49-F238E27FC236}">
+                <a16:creationId xmlns:a16="http://schemas.microsoft.com/office/drawing/2014/main" id="{FE9A8C59-1625-B6CE-945F-65F6E6ADB84D}"/>
+              </a:ext>
+            </a:extLst>
+          </p:cNvPr>
+          <p:cNvSpPr txBox="1"/>
+          <p:nvPr/>
+        </p:nvSpPr>
+        <p:spPr>
+          <a:xfrm>
+            <a:off x="847493" y="5978161"/>
+            <a:ext cx="7839307" cy="830997"/>
+          </a:xfrm>
+          <a:prstGeom prst="rect">
+            <a:avLst/>
+          </a:prstGeom>
+          <a:noFill/>
+        </p:spPr>
+        <p:txBody>
+          <a:bodyPr wrap="square">
+            <a:spAutoFit/>
+          </a:bodyPr>
+          <a:lstStyle/>
+          <a:p>
+            <a:pPr marL="0" indent="0">
+              <a:buNone/>
+            </a:pPr>
+            <a:r>
               <a:rPr lang="en-US" sz="2400" dirty="0"/>
-              <a:t>        Result:  Rejected</a:t>
-            </a:r>
-          </a:p>
-          <a:p>
-            <a:pPr marL="0" indent="0">
-              <a:buNone/>
-            </a:pPr>
+              <a:t>A positive relationship exists between risk and return, as observed 	through standard deviation, beta, and returns.</a:t>
+            </a:r>
+          </a:p>
+        </p:txBody>
+      </p:sp>
+      <p:sp>
+        <p:nvSpPr>
+          <p:cNvPr id="8" name="TextBox 7">
+            <a:extLst>
+              <a:ext uri="{FF2B5EF4-FFF2-40B4-BE49-F238E27FC236}">
+                <a16:creationId xmlns:a16="http://schemas.microsoft.com/office/drawing/2014/main" id="{56BC4C8A-8AA7-F4CE-E20F-BF013D376D98}"/>
+              </a:ext>
+            </a:extLst>
+          </p:cNvPr>
+          <p:cNvSpPr txBox="1"/>
+          <p:nvPr/>
+        </p:nvSpPr>
+        <p:spPr>
+          <a:xfrm>
+            <a:off x="847493" y="5532552"/>
+            <a:ext cx="4572000" cy="461665"/>
+          </a:xfrm>
+          <a:prstGeom prst="rect">
+            <a:avLst/>
+          </a:prstGeom>
+          <a:noFill/>
+        </p:spPr>
+        <p:txBody>
+          <a:bodyPr wrap="square">
+            <a:spAutoFit/>
+          </a:bodyPr>
+          <a:lstStyle/>
+          <a:p>
             <a:r>
               <a:rPr lang="en-US" sz="2400" dirty="0"/>
-              <a:t>	A positive relationship exists between risk and return, as observed 	through standard deviation, beta, and returns.</a:t>
-            </a:r>
-          </a:p>
-          <a:p>
-            <a:endParaRPr lang="en-US" sz="2400" dirty="0"/>
-          </a:p>
-          <a:p>
-            <a:r>
-              <a:rPr lang="en-US" sz="2400" b="1" dirty="0"/>
-              <a:t>H₀2</a:t>
-            </a:r>
-            <a:r>
-              <a:rPr lang="en-US" sz="2400" dirty="0"/>
-              <a:t>: Selected mutual funds do not significantly outperform the benchmark index</a:t>
-            </a:r>
-          </a:p>
-          <a:p>
-            <a:pPr marL="0" indent="0">
-              <a:buNone/>
-            </a:pPr>
-            <a:r>
-              <a:rPr lang="en-US" sz="2400" dirty="0"/>
-              <a:t>	Result: Accepted</a:t>
-            </a:r>
-          </a:p>
-          <a:p>
-            <a:pPr marL="0" indent="0">
-              <a:buNone/>
-            </a:pPr>
-            <a:r>
-              <a:rPr lang="en-US" sz="2400" dirty="0"/>
-              <a:t>	The selected Nifty 50 index funds closely track the benchmark and 	do not significantly outperform it.</a:t>
-            </a:r>
-          </a:p>
-          <a:p>
-            <a:endParaRPr lang="en-US" sz="2400" dirty="0"/>
-          </a:p>
-          <a:p>
-            <a:r>
-              <a:rPr lang="en-US" sz="2400" b="1" dirty="0"/>
-              <a:t>H₀3</a:t>
-            </a:r>
-            <a:r>
-              <a:rPr lang="en-US" sz="2400" dirty="0"/>
-              <a:t>: There is no significant difference in performance among selected mutual funds</a:t>
-            </a:r>
-          </a:p>
-          <a:p>
-            <a:pPr marL="0" indent="0">
-              <a:buNone/>
-            </a:pPr>
-            <a:r>
-              <a:rPr lang="en-US" sz="2400" dirty="0"/>
-              <a:t>	Result: Rejected</a:t>
-            </a:r>
-          </a:p>
-          <a:p>
-            <a:pPr marL="0" indent="0">
-              <a:buNone/>
-            </a:pPr>
-            <a:r>
-              <a:rPr lang="en-US" sz="2400" dirty="0"/>
-              <a:t>	Differences were observed in returns, risk levels, and risk-adjusted 	measures such as Sharpe Ratio, Treynor Ratio, and Jensen’s Alpha.</a:t>
-            </a:r>
-            <a:endParaRPr sz="2400" dirty="0"/>
+              <a:t>Result:  Rejected</a:t>
+            </a:r>
+            <a:endParaRPr lang="en-IN" sz="2400" dirty="0"/>
           </a:p>
         </p:txBody>
       </p:sp>
@@ -3377,6 +3637,466 @@
   <p:cSld>
     <p:spTree>
       <p:nvGrpSpPr>
+        <p:cNvPr id="1" name="">
+          <a:extLst>
+            <a:ext uri="{FF2B5EF4-FFF2-40B4-BE49-F238E27FC236}">
+              <a16:creationId xmlns:a16="http://schemas.microsoft.com/office/drawing/2014/main" id="{4D42F273-A66F-6DF7-670B-C93EAC2DFE75}"/>
+            </a:ext>
+          </a:extLst>
+        </p:cNvPr>
+        <p:cNvGrpSpPr/>
+        <p:nvPr/>
+      </p:nvGrpSpPr>
+      <p:grpSpPr>
+        <a:xfrm>
+          <a:off x="0" y="0"/>
+          <a:ext cx="0" cy="0"/>
+          <a:chOff x="0" y="0"/>
+          <a:chExt cx="0" cy="0"/>
+        </a:xfrm>
+      </p:grpSpPr>
+      <p:sp>
+        <p:nvSpPr>
+          <p:cNvPr id="2" name="Title 1">
+            <a:extLst>
+              <a:ext uri="{FF2B5EF4-FFF2-40B4-BE49-F238E27FC236}">
+                <a16:creationId xmlns:a16="http://schemas.microsoft.com/office/drawing/2014/main" id="{BE797EF3-DFA9-4DAD-F956-4BBAE4651A96}"/>
+              </a:ext>
+            </a:extLst>
+          </p:cNvPr>
+          <p:cNvSpPr>
+            <a:spLocks noGrp="1"/>
+          </p:cNvSpPr>
+          <p:nvPr>
+            <p:ph type="title"/>
+          </p:nvPr>
+        </p:nvSpPr>
+        <p:spPr>
+          <a:xfrm>
+            <a:off x="457200" y="160337"/>
+            <a:ext cx="8229600" cy="798668"/>
+          </a:xfrm>
+        </p:spPr>
+        <p:txBody>
+          <a:bodyPr>
+            <a:normAutofit/>
+          </a:bodyPr>
+          <a:lstStyle/>
+          <a:p>
+            <a:r>
+              <a:rPr lang="en-US" sz="3600" dirty="0"/>
+              <a:t>HYPOTHESIS TEST RESULTS</a:t>
+            </a:r>
+          </a:p>
+        </p:txBody>
+      </p:sp>
+      <p:sp>
+        <p:nvSpPr>
+          <p:cNvPr id="3" name="Content Placeholder 2">
+            <a:extLst>
+              <a:ext uri="{FF2B5EF4-FFF2-40B4-BE49-F238E27FC236}">
+                <a16:creationId xmlns:a16="http://schemas.microsoft.com/office/drawing/2014/main" id="{CC410B7E-73C1-0E15-DA08-29BE6F5C37A5}"/>
+              </a:ext>
+            </a:extLst>
+          </p:cNvPr>
+          <p:cNvSpPr>
+            <a:spLocks noGrp="1"/>
+          </p:cNvSpPr>
+          <p:nvPr>
+            <p:ph idx="1"/>
+          </p:nvPr>
+        </p:nvSpPr>
+        <p:spPr>
+          <a:xfrm>
+            <a:off x="457200" y="959004"/>
+            <a:ext cx="8469630" cy="5898995"/>
+          </a:xfrm>
+        </p:spPr>
+        <p:txBody>
+          <a:bodyPr>
+            <a:normAutofit fontScale="92500" lnSpcReduction="20000"/>
+          </a:bodyPr>
+          <a:lstStyle/>
+          <a:p>
+            <a:r>
+              <a:rPr lang="en-US" sz="2600" b="1" dirty="0"/>
+              <a:t>H₀2</a:t>
+            </a:r>
+            <a:r>
+              <a:rPr lang="en-US" sz="2600" dirty="0"/>
+              <a:t>: Selected mutual funds do not significantly outperform the benchmark index</a:t>
+            </a:r>
+          </a:p>
+          <a:p>
+            <a:endParaRPr lang="en-US" sz="2400" dirty="0"/>
+          </a:p>
+          <a:p>
+            <a:endParaRPr lang="en-US" sz="2400" dirty="0"/>
+          </a:p>
+          <a:p>
+            <a:endParaRPr lang="en-US" sz="2400" dirty="0"/>
+          </a:p>
+          <a:p>
+            <a:endParaRPr lang="en-US" sz="2400" dirty="0"/>
+          </a:p>
+          <a:p>
+            <a:endParaRPr lang="en-US" sz="2400" dirty="0"/>
+          </a:p>
+          <a:p>
+            <a:endParaRPr lang="en-US" sz="2400" dirty="0"/>
+          </a:p>
+          <a:p>
+            <a:endParaRPr lang="en-US" sz="2400" dirty="0"/>
+          </a:p>
+          <a:p>
+            <a:pPr marL="0" indent="0">
+              <a:buNone/>
+            </a:pPr>
+            <a:endParaRPr lang="en-US" sz="2400" dirty="0"/>
+          </a:p>
+          <a:p>
+            <a:pPr marL="0" indent="0">
+              <a:buNone/>
+            </a:pPr>
+            <a:r>
+              <a:rPr lang="en-US" sz="2400" dirty="0"/>
+              <a:t>	</a:t>
+            </a:r>
+          </a:p>
+          <a:p>
+            <a:pPr marL="0" indent="0">
+              <a:buNone/>
+            </a:pPr>
+            <a:endParaRPr lang="en-US" sz="2400" dirty="0"/>
+          </a:p>
+          <a:p>
+            <a:pPr marL="0" indent="0">
+              <a:buNone/>
+            </a:pPr>
+            <a:endParaRPr lang="en-US" sz="2400" dirty="0"/>
+          </a:p>
+          <a:p>
+            <a:pPr marL="0" indent="0">
+              <a:buNone/>
+            </a:pPr>
+            <a:r>
+              <a:rPr lang="en-US" sz="2600" dirty="0"/>
+              <a:t>	</a:t>
+            </a:r>
+          </a:p>
+          <a:p>
+            <a:pPr marL="0" indent="0">
+              <a:buNone/>
+            </a:pPr>
+            <a:r>
+              <a:rPr lang="en-US" sz="2600" dirty="0"/>
+              <a:t>	Result: Accepted</a:t>
+            </a:r>
+          </a:p>
+          <a:p>
+            <a:pPr marL="0" indent="0">
+              <a:buNone/>
+            </a:pPr>
+            <a:r>
+              <a:rPr lang="en-US" sz="2600" dirty="0"/>
+              <a:t>	The selected Nifty 50 index funds closely track the benchmark 	and do not significantly outperform it.</a:t>
+            </a:r>
+          </a:p>
+        </p:txBody>
+      </p:sp>
+      <p:graphicFrame>
+        <p:nvGraphicFramePr>
+          <p:cNvPr id="4" name="Table 3">
+            <a:extLst>
+              <a:ext uri="{FF2B5EF4-FFF2-40B4-BE49-F238E27FC236}">
+                <a16:creationId xmlns:a16="http://schemas.microsoft.com/office/drawing/2014/main" id="{6132D074-AC68-209A-CA68-C2C9E3B12A17}"/>
+              </a:ext>
+            </a:extLst>
+          </p:cNvPr>
+          <p:cNvGraphicFramePr>
+            <a:graphicFrameLocks noGrp="1"/>
+          </p:cNvGraphicFramePr>
+          <p:nvPr>
+            <p:extLst>
+              <p:ext uri="{D42A27DB-BD31-4B8C-83A1-F6EECF244321}">
+                <p14:modId xmlns:p14="http://schemas.microsoft.com/office/powerpoint/2010/main" val="4199809478"/>
+              </p:ext>
+            </p:extLst>
+          </p:nvPr>
+        </p:nvGraphicFramePr>
+        <p:xfrm>
+          <a:off x="1639229" y="1795347"/>
+          <a:ext cx="5798634" cy="3596788"/>
+        </p:xfrm>
+        <a:graphic>
+          <a:graphicData uri="http://schemas.openxmlformats.org/drawingml/2006/table">
+            <a:tbl>
+              <a:tblPr firstRow="1" bandRow="1">
+                <a:tableStyleId>{5C22544A-7EE6-4342-B048-85BDC9FD1C3A}</a:tableStyleId>
+              </a:tblPr>
+              <a:tblGrid>
+                <a:gridCol w="2788145">
+                  <a:extLst>
+                    <a:ext uri="{9D8B030D-6E8A-4147-A177-3AD203B41FA5}">
+                      <a16:colId xmlns:a16="http://schemas.microsoft.com/office/drawing/2014/main" val="2685028497"/>
+                    </a:ext>
+                  </a:extLst>
+                </a:gridCol>
+                <a:gridCol w="3010489">
+                  <a:extLst>
+                    <a:ext uri="{9D8B030D-6E8A-4147-A177-3AD203B41FA5}">
+                      <a16:colId xmlns:a16="http://schemas.microsoft.com/office/drawing/2014/main" val="3056453898"/>
+                    </a:ext>
+                  </a:extLst>
+                </a:gridCol>
+              </a:tblGrid>
+              <a:tr h="0">
+                <a:tc>
+                  <a:txBody>
+                    <a:bodyPr/>
+                    <a:lstStyle/>
+                    <a:p>
+                      <a:r>
+                        <a:rPr lang="en-US" dirty="0"/>
+                        <a:t>FUND NAME</a:t>
+                      </a:r>
+                      <a:endParaRPr lang="en-IN" dirty="0"/>
+                    </a:p>
+                  </a:txBody>
+                  <a:tcPr/>
+                </a:tc>
+                <a:tc>
+                  <a:txBody>
+                    <a:bodyPr/>
+                    <a:lstStyle/>
+                    <a:p>
+                      <a:pPr marL="0" marR="0" lvl="0" indent="0" algn="l" defTabSz="457200" rtl="0" eaLnBrk="1" fontAlgn="auto" latinLnBrk="0" hangingPunct="1">
+                        <a:lnSpc>
+                          <a:spcPct val="100000"/>
+                        </a:lnSpc>
+                        <a:spcBef>
+                          <a:spcPts val="0"/>
+                        </a:spcBef>
+                        <a:spcAft>
+                          <a:spcPts val="0"/>
+                        </a:spcAft>
+                        <a:buClrTx/>
+                        <a:buSzTx/>
+                        <a:buFontTx/>
+                        <a:buNone/>
+                        <a:tabLst/>
+                        <a:defRPr/>
+                      </a:pPr>
+                      <a:r>
+                        <a:rPr lang="en-IN" dirty="0"/>
+                        <a:t>JENSEN ALPHA</a:t>
+                      </a:r>
+                    </a:p>
+                    <a:p>
+                      <a:endParaRPr lang="en-IN" dirty="0"/>
+                    </a:p>
+                  </a:txBody>
+                  <a:tcPr/>
+                </a:tc>
+                <a:extLst>
+                  <a:ext uri="{0D108BD9-81ED-4DB2-BD59-A6C34878D82A}">
+                    <a16:rowId xmlns:a16="http://schemas.microsoft.com/office/drawing/2014/main" val="177625303"/>
+                  </a:ext>
+                </a:extLst>
+              </a:tr>
+              <a:tr h="546134">
+                <a:tc>
+                  <a:txBody>
+                    <a:bodyPr/>
+                    <a:lstStyle/>
+                    <a:p>
+                      <a:pPr algn="l"/>
+                      <a:r>
+                        <a:rPr lang="en-US" dirty="0"/>
+                        <a:t>ICICI Prudential Nifty 50</a:t>
+                      </a:r>
+                      <a:endParaRPr lang="en-IN" dirty="0"/>
+                    </a:p>
+                  </a:txBody>
+                  <a:tcPr/>
+                </a:tc>
+                <a:tc>
+                  <a:txBody>
+                    <a:bodyPr/>
+                    <a:lstStyle/>
+                    <a:p>
+                      <a:r>
+                        <a:rPr lang="en-IN" dirty="0"/>
+                        <a:t>–0.06081</a:t>
+                      </a:r>
+                    </a:p>
+                  </a:txBody>
+                  <a:tcPr/>
+                </a:tc>
+                <a:extLst>
+                  <a:ext uri="{0D108BD9-81ED-4DB2-BD59-A6C34878D82A}">
+                    <a16:rowId xmlns:a16="http://schemas.microsoft.com/office/drawing/2014/main" val="699521720"/>
+                  </a:ext>
+                </a:extLst>
+              </a:tr>
+              <a:tr h="546133">
+                <a:tc>
+                  <a:txBody>
+                    <a:bodyPr/>
+                    <a:lstStyle/>
+                    <a:p>
+                      <a:r>
+                        <a:rPr lang="en-US" dirty="0"/>
+                        <a:t>HDFC Index Fund</a:t>
+                      </a:r>
+                      <a:endParaRPr lang="en-IN" dirty="0"/>
+                    </a:p>
+                  </a:txBody>
+                  <a:tcPr/>
+                </a:tc>
+                <a:tc>
+                  <a:txBody>
+                    <a:bodyPr/>
+                    <a:lstStyle/>
+                    <a:p>
+                      <a:r>
+                        <a:rPr lang="en-IN" dirty="0"/>
+                        <a:t>–0.05259</a:t>
+                      </a:r>
+                    </a:p>
+                  </a:txBody>
+                  <a:tcPr/>
+                </a:tc>
+                <a:extLst>
+                  <a:ext uri="{0D108BD9-81ED-4DB2-BD59-A6C34878D82A}">
+                    <a16:rowId xmlns:a16="http://schemas.microsoft.com/office/drawing/2014/main" val="3950597818"/>
+                  </a:ext>
+                </a:extLst>
+              </a:tr>
+              <a:tr h="508031">
+                <a:tc>
+                  <a:txBody>
+                    <a:bodyPr/>
+                    <a:lstStyle/>
+                    <a:p>
+                      <a:r>
+                        <a:rPr lang="en-US" dirty="0"/>
+                        <a:t>UTI Nifty 50</a:t>
+                      </a:r>
+                      <a:endParaRPr lang="en-IN" dirty="0"/>
+                    </a:p>
+                  </a:txBody>
+                  <a:tcPr/>
+                </a:tc>
+                <a:tc>
+                  <a:txBody>
+                    <a:bodyPr/>
+                    <a:lstStyle/>
+                    <a:p>
+                      <a:r>
+                        <a:rPr lang="en-IN" dirty="0"/>
+                        <a:t>–0.05806</a:t>
+                      </a:r>
+                    </a:p>
+                  </a:txBody>
+                  <a:tcPr/>
+                </a:tc>
+                <a:extLst>
+                  <a:ext uri="{0D108BD9-81ED-4DB2-BD59-A6C34878D82A}">
+                    <a16:rowId xmlns:a16="http://schemas.microsoft.com/office/drawing/2014/main" val="1208322763"/>
+                  </a:ext>
+                </a:extLst>
+              </a:tr>
+              <a:tr h="662261">
+                <a:tc>
+                  <a:txBody>
+                    <a:bodyPr/>
+                    <a:lstStyle/>
+                    <a:p>
+                      <a:r>
+                        <a:rPr lang="en-US" dirty="0"/>
+                        <a:t>Nippon India Index Fund</a:t>
+                      </a:r>
+                      <a:endParaRPr lang="en-IN" dirty="0"/>
+                    </a:p>
+                  </a:txBody>
+                  <a:tcPr/>
+                </a:tc>
+                <a:tc>
+                  <a:txBody>
+                    <a:bodyPr/>
+                    <a:lstStyle/>
+                    <a:p>
+                      <a:r>
+                        <a:rPr lang="en-IN" dirty="0"/>
+                        <a:t>–0.05844</a:t>
+                      </a:r>
+                    </a:p>
+                  </a:txBody>
+                  <a:tcPr/>
+                </a:tc>
+                <a:extLst>
+                  <a:ext uri="{0D108BD9-81ED-4DB2-BD59-A6C34878D82A}">
+                    <a16:rowId xmlns:a16="http://schemas.microsoft.com/office/drawing/2014/main" val="1750503753"/>
+                  </a:ext>
+                </a:extLst>
+              </a:tr>
+              <a:tr h="694149">
+                <a:tc>
+                  <a:txBody>
+                    <a:bodyPr/>
+                    <a:lstStyle/>
+                    <a:p>
+                      <a:r>
+                        <a:rPr lang="en-US" dirty="0"/>
+                        <a:t>SBI Nifty Index Fund</a:t>
+                      </a:r>
+                      <a:endParaRPr lang="en-IN" dirty="0"/>
+                    </a:p>
+                  </a:txBody>
+                  <a:tcPr/>
+                </a:tc>
+                <a:tc>
+                  <a:txBody>
+                    <a:bodyPr/>
+                    <a:lstStyle/>
+                    <a:p>
+                      <a:r>
+                        <a:rPr lang="en-IN" dirty="0"/>
+                        <a:t>–0.06489</a:t>
+                      </a:r>
+                    </a:p>
+                  </a:txBody>
+                  <a:tcPr/>
+                </a:tc>
+                <a:extLst>
+                  <a:ext uri="{0D108BD9-81ED-4DB2-BD59-A6C34878D82A}">
+                    <a16:rowId xmlns:a16="http://schemas.microsoft.com/office/drawing/2014/main" val="2438194718"/>
+                  </a:ext>
+                </a:extLst>
+              </a:tr>
+            </a:tbl>
+          </a:graphicData>
+        </a:graphic>
+      </p:graphicFrame>
+    </p:spTree>
+    <p:extLst>
+      <p:ext uri="{BB962C8B-B14F-4D97-AF65-F5344CB8AC3E}">
+        <p14:creationId xmlns:p14="http://schemas.microsoft.com/office/powerpoint/2010/main" val="3041141879"/>
+      </p:ext>
+    </p:extLst>
+  </p:cSld>
+  <p:clrMapOvr>
+    <a:masterClrMapping/>
+  </p:clrMapOvr>
+</p:sld>
+</file>
+
+<file path=ppt/slides/slide12.xml><?xml version="1.0" encoding="utf-8"?>
+<p:sld xmlns:a="http://schemas.openxmlformats.org/drawingml/2006/main" xmlns:r="http://schemas.openxmlformats.org/officeDocument/2006/relationships" xmlns:p="http://schemas.openxmlformats.org/presentationml/2006/main">
+  <p:cSld>
+    <p:spTree>
+      <p:nvGrpSpPr>
         <p:cNvPr id="1" name=""/>
         <p:cNvGrpSpPr/>
         <p:nvPr/>
@@ -3468,7 +4188,7 @@
 </p:sld>
 </file>
 
-<file path=ppt/slides/slide12.xml><?xml version="1.0" encoding="utf-8"?>
+<file path=ppt/slides/slide13.xml><?xml version="1.0" encoding="utf-8"?>
 <p:sld xmlns:a="http://schemas.openxmlformats.org/drawingml/2006/main" xmlns:r="http://schemas.openxmlformats.org/officeDocument/2006/relationships" xmlns:p="http://schemas.openxmlformats.org/presentationml/2006/main">
   <p:cSld>
     <p:spTree>
@@ -3696,7 +4416,7 @@
         </p:nvSpPr>
         <p:spPr>
           <a:xfrm>
-            <a:off x="457200" y="731837"/>
+            <a:off x="468630" y="754697"/>
             <a:ext cx="8229600" cy="1143000"/>
           </a:xfrm>
         </p:spPr>
@@ -3723,8 +4443,8 @@
         </p:nvSpPr>
         <p:spPr>
           <a:xfrm>
-            <a:off x="457200" y="2560320"/>
-            <a:ext cx="8229600" cy="3565843"/>
+            <a:off x="457200" y="2196791"/>
+            <a:ext cx="8229600" cy="3918222"/>
           </a:xfrm>
         </p:spPr>
         <p:txBody>
@@ -3761,15 +4481,6 @@
               <a:t>Mutual fund performances varies due to         market fluctuations</a:t>
             </a:r>
             <a:endParaRPr dirty="0"/>
-          </a:p>
-          <a:p>
-            <a:pPr marL="0" indent="0">
-              <a:buNone/>
-            </a:pPr>
-            <a:r>
-              <a:rPr dirty="0"/>
-              <a:t>• Systematic analysis required</a:t>
-            </a:r>
           </a:p>
         </p:txBody>
       </p:sp>
@@ -3879,15 +4590,6 @@
               <a:t>• Compare with Nifty 50 benchmark</a:t>
             </a:r>
           </a:p>
-          <a:p>
-            <a:pPr marL="0" indent="0">
-              <a:buNone/>
-            </a:pPr>
-            <a:r>
-              <a:rPr dirty="0"/>
-              <a:t>• Assist investors in decision making</a:t>
-            </a:r>
-          </a:p>
         </p:txBody>
       </p:sp>
     </p:spTree>
@@ -3962,7 +4664,7 @@
         </p:spPr>
         <p:txBody>
           <a:bodyPr>
-            <a:normAutofit fontScale="92500" lnSpcReduction="10000"/>
+            <a:normAutofit fontScale="55000" lnSpcReduction="20000"/>
           </a:bodyPr>
           <a:lstStyle/>
           <a:p>
@@ -3970,8 +4672,83 @@
               <a:buNone/>
             </a:pPr>
             <a:r>
-              <a:rPr lang="en-US" sz="2200" b="1" dirty="0"/>
+              <a:rPr lang="en-US" sz="4500" b="1" dirty="0"/>
               <a:t>Null Hypothesis (H₀)</a:t>
+            </a:r>
+          </a:p>
+          <a:p>
+            <a:pPr marL="0" indent="0">
+              <a:buNone/>
+            </a:pPr>
+            <a:endParaRPr lang="en-US" sz="4500" dirty="0"/>
+          </a:p>
+          <a:p>
+            <a:pPr marL="0" indent="0">
+              <a:buNone/>
+            </a:pPr>
+            <a:r>
+              <a:rPr lang="en-US" sz="4500" dirty="0"/>
+              <a:t>H₀1: There is no significant relationship between risk and return of selected mutual funds.</a:t>
+            </a:r>
+          </a:p>
+          <a:p>
+            <a:pPr marL="0" indent="0">
+              <a:buNone/>
+            </a:pPr>
+            <a:endParaRPr lang="en-US" sz="4500" dirty="0"/>
+          </a:p>
+          <a:p>
+            <a:pPr marL="0" indent="0">
+              <a:buNone/>
+            </a:pPr>
+            <a:r>
+              <a:rPr lang="en-US" sz="4500" dirty="0"/>
+              <a:t>H₀2: Selected mutual funds do not significantly outperform the benchmark index.</a:t>
+            </a:r>
+          </a:p>
+          <a:p>
+            <a:pPr marL="0" indent="0">
+              <a:buNone/>
+            </a:pPr>
+            <a:endParaRPr lang="en-US" sz="4500" b="1" dirty="0"/>
+          </a:p>
+          <a:p>
+            <a:pPr marL="0" indent="0">
+              <a:buNone/>
+            </a:pPr>
+            <a:r>
+              <a:rPr lang="en-US" sz="4500" b="1" dirty="0"/>
+              <a:t>Alternative Hypothesis (H₁)</a:t>
+            </a:r>
+          </a:p>
+          <a:p>
+            <a:pPr marL="0" indent="0">
+              <a:buNone/>
+            </a:pPr>
+            <a:endParaRPr lang="en-US" sz="4500" dirty="0"/>
+          </a:p>
+          <a:p>
+            <a:pPr marL="0" indent="0">
+              <a:buNone/>
+            </a:pPr>
+            <a:r>
+              <a:rPr lang="en-US" sz="4500" dirty="0"/>
+              <a:t>H₁1: There is a significant relationship between risk and return of selected mutual funds.</a:t>
+            </a:r>
+          </a:p>
+          <a:p>
+            <a:pPr marL="0" indent="0">
+              <a:buNone/>
+            </a:pPr>
+            <a:endParaRPr lang="en-US" sz="4500" dirty="0"/>
+          </a:p>
+          <a:p>
+            <a:pPr marL="0" indent="0">
+              <a:buNone/>
+            </a:pPr>
+            <a:r>
+              <a:rPr lang="en-US" sz="4500" dirty="0"/>
+              <a:t>H₁2: Selected mutual funds significantly outperform the benchmark index.</a:t>
             </a:r>
           </a:p>
           <a:p>
@@ -3979,106 +4756,6 @@
               <a:buNone/>
             </a:pPr>
             <a:endParaRPr lang="en-US" sz="2000" dirty="0"/>
-          </a:p>
-          <a:p>
-            <a:pPr marL="0" indent="0">
-              <a:buNone/>
-            </a:pPr>
-            <a:r>
-              <a:rPr lang="en-US" sz="2000" dirty="0"/>
-              <a:t>H₀1: There is no significant relationship between risk and return of selected mutual funds.</a:t>
-            </a:r>
-          </a:p>
-          <a:p>
-            <a:pPr marL="0" indent="0">
-              <a:buNone/>
-            </a:pPr>
-            <a:endParaRPr lang="en-US" sz="2000" dirty="0"/>
-          </a:p>
-          <a:p>
-            <a:pPr marL="0" indent="0">
-              <a:buNone/>
-            </a:pPr>
-            <a:r>
-              <a:rPr lang="en-US" sz="2000" dirty="0"/>
-              <a:t>H₀2: Selected mutual funds do not significantly outperform the benchmark index.</a:t>
-            </a:r>
-          </a:p>
-          <a:p>
-            <a:pPr marL="0" indent="0">
-              <a:buNone/>
-            </a:pPr>
-            <a:endParaRPr lang="en-US" sz="2000" dirty="0"/>
-          </a:p>
-          <a:p>
-            <a:pPr marL="0" indent="0">
-              <a:buNone/>
-            </a:pPr>
-            <a:r>
-              <a:rPr lang="en-US" sz="2000" dirty="0"/>
-              <a:t>H₀3: There is no significant difference in performance among selected mutual funds.</a:t>
-            </a:r>
-          </a:p>
-          <a:p>
-            <a:pPr marL="0" indent="0">
-              <a:buNone/>
-            </a:pPr>
-            <a:endParaRPr lang="en-US" sz="2200" b="1" dirty="0"/>
-          </a:p>
-          <a:p>
-            <a:pPr marL="0" indent="0">
-              <a:buNone/>
-            </a:pPr>
-            <a:r>
-              <a:rPr lang="en-US" sz="2200" b="1" dirty="0"/>
-              <a:t>Alternative Hypothesis (H₁)</a:t>
-            </a:r>
-          </a:p>
-          <a:p>
-            <a:pPr marL="0" indent="0">
-              <a:buNone/>
-            </a:pPr>
-            <a:endParaRPr lang="en-US" sz="2000" dirty="0"/>
-          </a:p>
-          <a:p>
-            <a:pPr marL="0" indent="0">
-              <a:buNone/>
-            </a:pPr>
-            <a:r>
-              <a:rPr lang="en-US" sz="2000" dirty="0"/>
-              <a:t>H₁1: There is a significant relationship between risk and return of selected mutual funds.</a:t>
-            </a:r>
-          </a:p>
-          <a:p>
-            <a:pPr marL="0" indent="0">
-              <a:buNone/>
-            </a:pPr>
-            <a:endParaRPr lang="en-US" sz="2000" dirty="0"/>
-          </a:p>
-          <a:p>
-            <a:pPr marL="0" indent="0">
-              <a:buNone/>
-            </a:pPr>
-            <a:r>
-              <a:rPr lang="en-US" sz="2000" dirty="0"/>
-              <a:t>H₁2: Selected mutual funds significantly outperform the benchmark index.</a:t>
-            </a:r>
-          </a:p>
-          <a:p>
-            <a:pPr marL="0" indent="0">
-              <a:buNone/>
-            </a:pPr>
-            <a:endParaRPr lang="en-US" sz="2000" dirty="0"/>
-          </a:p>
-          <a:p>
-            <a:pPr marL="0" indent="0">
-              <a:buNone/>
-            </a:pPr>
-            <a:r>
-              <a:rPr lang="en-US" sz="2000" dirty="0"/>
-              <a:t>H₁3: There is a significant difference in performance among selected mutual funds.</a:t>
-            </a:r>
-            <a:endParaRPr sz="2000" dirty="0"/>
           </a:p>
         </p:txBody>
       </p:sp>
@@ -4553,61 +5230,53 @@
         </p:spPr>
         <p:txBody>
           <a:bodyPr>
-            <a:normAutofit fontScale="70000" lnSpcReduction="20000"/>
+            <a:normAutofit fontScale="62500" lnSpcReduction="20000"/>
           </a:bodyPr>
           <a:lstStyle/>
           <a:p>
             <a:r>
+              <a:rPr lang="en-US" sz="4600" dirty="0"/>
+              <a:t>Monthly and annual returns were calculated using NAV data.</a:t>
+            </a:r>
+          </a:p>
+          <a:p>
+            <a:pPr marL="0" indent="0">
+              <a:buNone/>
+            </a:pPr>
+            <a:endParaRPr lang="en-US" sz="4600" dirty="0"/>
+          </a:p>
+          <a:p>
+            <a:r>
+              <a:rPr lang="en-US" sz="4600" dirty="0"/>
+              <a:t>Risk-adjusted performance was evaluated using Sharpe, Treynor, and Jensen’s Alpha.</a:t>
+            </a:r>
+          </a:p>
+          <a:p>
+            <a:pPr marL="0" indent="0">
+              <a:buNone/>
+            </a:pPr>
+            <a:endParaRPr lang="en-US" sz="4600" dirty="0"/>
+          </a:p>
+          <a:p>
+            <a:r>
+              <a:rPr lang="en-US" sz="4600" dirty="0"/>
+              <a:t>Benchmark comparison was done with Nifty 50 Index.</a:t>
+            </a:r>
+          </a:p>
+          <a:p>
+            <a:pPr marL="0" indent="0">
+              <a:buNone/>
+            </a:pPr>
+            <a:endParaRPr lang="en-US" sz="4600" dirty="0"/>
+          </a:p>
+          <a:p>
+            <a:r>
+              <a:rPr lang="en-US" sz="4600" dirty="0"/>
+              <a:t>Risk and return were found to be positively related</a:t>
+            </a:r>
+            <a:r>
               <a:rPr lang="en-US" dirty="0"/>
-              <a:t>Monthly and annual returns were calculated using NAV data.</a:t>
-            </a:r>
-          </a:p>
-          <a:p>
-            <a:pPr marL="0" indent="0">
-              <a:buNone/>
-            </a:pPr>
-            <a:endParaRPr lang="en-US" dirty="0"/>
-          </a:p>
-          <a:p>
-            <a:r>
-              <a:rPr lang="en-US" dirty="0"/>
-              <a:t>Risk-adjusted performance was evaluated using Sharpe, Treynor, and Jensen’s Alpha.</a:t>
-            </a:r>
-          </a:p>
-          <a:p>
-            <a:pPr marL="0" indent="0">
-              <a:buNone/>
-            </a:pPr>
-            <a:endParaRPr lang="en-US" dirty="0"/>
-          </a:p>
-          <a:p>
-            <a:r>
-              <a:rPr lang="en-US" dirty="0"/>
-              <a:t>Benchmark comparison was done with Nifty 50 Index.</a:t>
-            </a:r>
-          </a:p>
-          <a:p>
-            <a:pPr marL="0" indent="0">
-              <a:buNone/>
-            </a:pPr>
-            <a:endParaRPr lang="en-US" dirty="0"/>
-          </a:p>
-          <a:p>
-            <a:r>
-              <a:rPr lang="en-US" dirty="0"/>
-              <a:t>Results showed variation in performance among selected index funds.</a:t>
-            </a:r>
-          </a:p>
-          <a:p>
-            <a:pPr marL="0" indent="0">
-              <a:buNone/>
-            </a:pPr>
-            <a:endParaRPr lang="en-US" dirty="0"/>
-          </a:p>
-          <a:p>
-            <a:r>
-              <a:rPr lang="en-US" dirty="0"/>
-              <a:t>Risk and return were found to be positively related.</a:t>
+              <a:t>.</a:t>
             </a:r>
             <a:endParaRPr dirty="0"/>
           </a:p>
